--- a/Cucumber.pptx
+++ b/Cucumber.pptx
@@ -8,7 +8,8 @@
     <p:sldId id="256" r:id="rId2"/>
     <p:sldId id="257" r:id="rId3"/>
     <p:sldId id="259" r:id="rId4"/>
-    <p:sldId id="258" r:id="rId5"/>
+    <p:sldId id="260" r:id="rId5"/>
+    <p:sldId id="258" r:id="rId6"/>
   </p:sldIdLst>
   <p:sldSz cx="9144000" cy="6858000" type="screen4x3"/>
   <p:notesSz cx="6858000" cy="9144000"/>
@@ -290,7 +291,7 @@
           <a:p>
             <a:fld id="{82C6BFA6-F884-4182-B492-1CE5805E79FE}" type="slidenum">
               <a:rPr lang="fr-FR" smtClean="0"/>
-              <a:t>‹N°›</a:t>
+              <a:t>‹#›</a:t>
             </a:fld>
             <a:endParaRPr lang="fr-FR"/>
           </a:p>
@@ -603,7 +604,7 @@
           <a:p>
             <a:fld id="{82C6BFA6-F884-4182-B492-1CE5805E79FE}" type="slidenum">
               <a:rPr lang="fr-FR" smtClean="0"/>
-              <a:t>‹N°›</a:t>
+              <a:t>‹#›</a:t>
             </a:fld>
             <a:endParaRPr lang="fr-FR"/>
           </a:p>
@@ -788,7 +789,7 @@
           <a:p>
             <a:fld id="{82C6BFA6-F884-4182-B492-1CE5805E79FE}" type="slidenum">
               <a:rPr lang="fr-FR" smtClean="0"/>
-              <a:t>‹N°›</a:t>
+              <a:t>‹#›</a:t>
             </a:fld>
             <a:endParaRPr lang="fr-FR"/>
           </a:p>
@@ -963,7 +964,7 @@
           <a:p>
             <a:fld id="{82C6BFA6-F884-4182-B492-1CE5805E79FE}" type="slidenum">
               <a:rPr lang="fr-FR" smtClean="0"/>
-              <a:t>‹N°›</a:t>
+              <a:t>‹#›</a:t>
             </a:fld>
             <a:endParaRPr lang="fr-FR"/>
           </a:p>
@@ -1231,7 +1232,7 @@
           <a:p>
             <a:fld id="{82C6BFA6-F884-4182-B492-1CE5805E79FE}" type="slidenum">
               <a:rPr lang="fr-FR" smtClean="0"/>
-              <a:t>‹N°›</a:t>
+              <a:t>‹#›</a:t>
             </a:fld>
             <a:endParaRPr lang="fr-FR"/>
           </a:p>
@@ -1699,7 +1700,7 @@
           <a:p>
             <a:fld id="{82C6BFA6-F884-4182-B492-1CE5805E79FE}" type="slidenum">
               <a:rPr lang="fr-FR" smtClean="0"/>
-              <a:t>‹N°›</a:t>
+              <a:t>‹#›</a:t>
             </a:fld>
             <a:endParaRPr lang="fr-FR"/>
           </a:p>
@@ -2188,7 +2189,7 @@
           <a:p>
             <a:fld id="{82C6BFA6-F884-4182-B492-1CE5805E79FE}" type="slidenum">
               <a:rPr lang="fr-FR" smtClean="0"/>
-              <a:t>‹N°›</a:t>
+              <a:t>‹#›</a:t>
             </a:fld>
             <a:endParaRPr lang="fr-FR"/>
           </a:p>
@@ -2314,7 +2315,7 @@
           <a:p>
             <a:fld id="{82C6BFA6-F884-4182-B492-1CE5805E79FE}" type="slidenum">
               <a:rPr lang="fr-FR" smtClean="0"/>
-              <a:t>‹N°›</a:t>
+              <a:t>‹#›</a:t>
             </a:fld>
             <a:endParaRPr lang="fr-FR"/>
           </a:p>
@@ -2458,7 +2459,7 @@
           <a:p>
             <a:fld id="{82C6BFA6-F884-4182-B492-1CE5805E79FE}" type="slidenum">
               <a:rPr lang="fr-FR" smtClean="0"/>
-              <a:t>‹N°›</a:t>
+              <a:t>‹#›</a:t>
             </a:fld>
             <a:endParaRPr lang="fr-FR"/>
           </a:p>
@@ -2780,7 +2781,7 @@
           <a:p>
             <a:fld id="{82C6BFA6-F884-4182-B492-1CE5805E79FE}" type="slidenum">
               <a:rPr lang="fr-FR" smtClean="0"/>
-              <a:t>‹N°›</a:t>
+              <a:t>‹#›</a:t>
             </a:fld>
             <a:endParaRPr lang="fr-FR"/>
           </a:p>
@@ -2914,7 +2915,7 @@
           <a:p>
             <a:fld id="{82C6BFA6-F884-4182-B492-1CE5805E79FE}" type="slidenum">
               <a:rPr lang="fr-FR" smtClean="0"/>
-              <a:t>‹N°›</a:t>
+              <a:t>‹#›</a:t>
             </a:fld>
             <a:endParaRPr lang="fr-FR"/>
           </a:p>
@@ -3733,7 +3734,7 @@
           <a:p>
             <a:fld id="{82C6BFA6-F884-4182-B492-1CE5805E79FE}" type="slidenum">
               <a:rPr lang="fr-FR" smtClean="0"/>
-              <a:t>‹N°›</a:t>
+              <a:t>‹#›</a:t>
             </a:fld>
             <a:endParaRPr lang="fr-FR"/>
           </a:p>
@@ -4296,7 +4297,7 @@
   <p:timing>
     <p:tnLst>
       <p:par>
-        <p:cTn id="1" dur="indefinite" restart="never" nodeType="tmRoot"/>
+        <p:cTn xmlns:p14="http://schemas.microsoft.com/office/powerpoint/2010/main" id="1" dur="indefinite" restart="never" nodeType="tmRoot"/>
       </p:par>
     </p:tnLst>
   </p:timing>
@@ -4417,7 +4418,7 @@
   <p:timing>
     <p:tnLst>
       <p:par>
-        <p:cTn id="1" dur="indefinite" restart="never" nodeType="tmRoot"/>
+        <p:cTn xmlns:p14="http://schemas.microsoft.com/office/powerpoint/2010/main" id="1" dur="indefinite" restart="never" nodeType="tmRoot"/>
       </p:par>
     </p:tnLst>
   </p:timing>
@@ -4558,7 +4559,7 @@
   <p:timing>
     <p:tnLst>
       <p:par>
-        <p:cTn id="1" dur="indefinite" restart="never" nodeType="tmRoot"/>
+        <p:cTn xmlns:p14="http://schemas.microsoft.com/office/powerpoint/2010/main" id="1" dur="indefinite" restart="never" nodeType="tmRoot"/>
       </p:par>
     </p:tnLst>
   </p:timing>
@@ -4582,6 +4583,2301 @@
           <a:chExt cx="0" cy="0"/>
         </a:xfrm>
       </p:grpSpPr>
+      <p:graphicFrame>
+        <p:nvGraphicFramePr>
+          <p:cNvPr id="5" name="Tableau 4"/>
+          <p:cNvGraphicFramePr>
+            <a:graphicFrameLocks noGrp="1"/>
+          </p:cNvGraphicFramePr>
+          <p:nvPr>
+            <p:extLst>
+              <p:ext uri="{D42A27DB-BD31-4B8C-83A1-F6EECF244321}">
+                <p14:modId xmlns:p14="http://schemas.microsoft.com/office/powerpoint/2010/main" val="2465347139"/>
+              </p:ext>
+            </p:extLst>
+          </p:nvPr>
+        </p:nvGraphicFramePr>
+        <p:xfrm>
+          <a:off x="1187624" y="1772816"/>
+          <a:ext cx="7859386" cy="2923102"/>
+        </p:xfrm>
+        <a:graphic>
+          <a:graphicData uri="http://schemas.openxmlformats.org/drawingml/2006/table">
+            <a:tbl>
+              <a:tblPr/>
+              <a:tblGrid>
+                <a:gridCol w="1674952"/>
+                <a:gridCol w="1030739"/>
+                <a:gridCol w="1030739"/>
+                <a:gridCol w="1030739"/>
+                <a:gridCol w="1030739"/>
+                <a:gridCol w="1030739"/>
+                <a:gridCol w="1030739"/>
+              </a:tblGrid>
+              <a:tr h="417586">
+                <a:tc>
+                  <a:txBody>
+                    <a:bodyPr/>
+                    <a:lstStyle/>
+                    <a:p>
+                      <a:pPr algn="l" fontAlgn="ctr"/>
+                      <a:r>
+                        <a:rPr lang="fr-FR" sz="1200" b="1" i="0" u="none" strike="noStrike">
+                          <a:solidFill>
+                            <a:srgbClr val="000000"/>
+                          </a:solidFill>
+                          <a:effectLst/>
+                          <a:latin typeface="Calibri"/>
+                        </a:rPr>
+                        <a:t>OPPORTUNITY</a:t>
+                      </a:r>
+                    </a:p>
+                  </a:txBody>
+                  <a:tcPr marL="11176" marR="11176" marT="11176" marB="0" anchor="ctr">
+                    <a:lnL>
+                      <a:noFill/>
+                    </a:lnL>
+                    <a:lnR w="6350" cap="flat" cmpd="sng" algn="ctr">
+                      <a:solidFill>
+                        <a:srgbClr val="BFBFBF"/>
+                      </a:solidFill>
+                      <a:prstDash val="solid"/>
+                      <a:round/>
+                      <a:headEnd type="none" w="med" len="med"/>
+                      <a:tailEnd type="none" w="med" len="med"/>
+                    </a:lnR>
+                    <a:lnT>
+                      <a:noFill/>
+                    </a:lnT>
+                    <a:lnB>
+                      <a:noFill/>
+                    </a:lnB>
+                    <a:solidFill>
+                      <a:srgbClr val="CCFFCC"/>
+                    </a:solidFill>
+                  </a:tcPr>
+                </a:tc>
+                <a:tc>
+                  <a:txBody>
+                    <a:bodyPr/>
+                    <a:lstStyle/>
+                    <a:p>
+                      <a:pPr algn="ctr" fontAlgn="ctr"/>
+                      <a:r>
+                        <a:rPr lang="fr-FR" sz="900" b="0" i="1" u="none" strike="noStrike">
+                          <a:solidFill>
+                            <a:srgbClr val="000000"/>
+                          </a:solidFill>
+                          <a:effectLst/>
+                          <a:latin typeface="Calibri"/>
+                        </a:rPr>
+                        <a:t>Identified</a:t>
+                      </a:r>
+                    </a:p>
+                  </a:txBody>
+                  <a:tcPr marL="11176" marR="11176" marT="11176" marB="0" anchor="ctr">
+                    <a:lnL w="6350" cap="flat" cmpd="sng" algn="ctr">
+                      <a:solidFill>
+                        <a:srgbClr val="BFBFBF"/>
+                      </a:solidFill>
+                      <a:prstDash val="solid"/>
+                      <a:round/>
+                      <a:headEnd type="none" w="med" len="med"/>
+                      <a:tailEnd type="none" w="med" len="med"/>
+                    </a:lnL>
+                    <a:lnR>
+                      <a:noFill/>
+                    </a:lnR>
+                    <a:lnT w="6350" cap="flat" cmpd="sng" algn="ctr">
+                      <a:solidFill>
+                        <a:srgbClr val="BFBFBF"/>
+                      </a:solidFill>
+                      <a:prstDash val="solid"/>
+                      <a:round/>
+                      <a:headEnd type="none" w="med" len="med"/>
+                      <a:tailEnd type="none" w="med" len="med"/>
+                    </a:lnT>
+                    <a:lnB>
+                      <a:noFill/>
+                    </a:lnB>
+                    <a:solidFill>
+                      <a:srgbClr val="FCD5B4"/>
+                    </a:solidFill>
+                  </a:tcPr>
+                </a:tc>
+                <a:tc>
+                  <a:txBody>
+                    <a:bodyPr/>
+                    <a:lstStyle/>
+                    <a:p>
+                      <a:pPr algn="ctr" fontAlgn="ctr"/>
+                      <a:r>
+                        <a:rPr lang="fr-FR" sz="900" b="0" i="1" u="none" strike="noStrike">
+                          <a:solidFill>
+                            <a:srgbClr val="000000"/>
+                          </a:solidFill>
+                          <a:effectLst/>
+                          <a:latin typeface="Calibri"/>
+                        </a:rPr>
+                        <a:t>Solution</a:t>
+                      </a:r>
+                      <a:br>
+                        <a:rPr lang="fr-FR" sz="900" b="0" i="1" u="none" strike="noStrike">
+                          <a:solidFill>
+                            <a:srgbClr val="000000"/>
+                          </a:solidFill>
+                          <a:effectLst/>
+                          <a:latin typeface="Calibri"/>
+                        </a:rPr>
+                      </a:br>
+                      <a:r>
+                        <a:rPr lang="fr-FR" sz="900" b="0" i="1" u="none" strike="noStrike">
+                          <a:solidFill>
+                            <a:srgbClr val="000000"/>
+                          </a:solidFill>
+                          <a:effectLst/>
+                          <a:latin typeface="Calibri"/>
+                        </a:rPr>
+                        <a:t>Needed</a:t>
+                      </a:r>
+                    </a:p>
+                  </a:txBody>
+                  <a:tcPr marL="11176" marR="11176" marT="11176" marB="0" anchor="ctr">
+                    <a:lnL>
+                      <a:noFill/>
+                    </a:lnL>
+                    <a:lnR>
+                      <a:noFill/>
+                    </a:lnR>
+                    <a:lnT w="6350" cap="flat" cmpd="sng" algn="ctr">
+                      <a:solidFill>
+                        <a:srgbClr val="BFBFBF"/>
+                      </a:solidFill>
+                      <a:prstDash val="solid"/>
+                      <a:round/>
+                      <a:headEnd type="none" w="med" len="med"/>
+                      <a:tailEnd type="none" w="med" len="med"/>
+                    </a:lnT>
+                    <a:lnB>
+                      <a:noFill/>
+                    </a:lnB>
+                    <a:solidFill>
+                      <a:srgbClr val="FFFFFF"/>
+                    </a:solidFill>
+                  </a:tcPr>
+                </a:tc>
+                <a:tc>
+                  <a:txBody>
+                    <a:bodyPr/>
+                    <a:lstStyle/>
+                    <a:p>
+                      <a:pPr algn="ctr" fontAlgn="ctr"/>
+                      <a:r>
+                        <a:rPr lang="fr-FR" sz="900" b="0" i="1" u="none" strike="noStrike">
+                          <a:solidFill>
+                            <a:srgbClr val="000000"/>
+                          </a:solidFill>
+                          <a:effectLst/>
+                          <a:latin typeface="Calibri"/>
+                        </a:rPr>
+                        <a:t>Value</a:t>
+                      </a:r>
+                      <a:br>
+                        <a:rPr lang="fr-FR" sz="900" b="0" i="1" u="none" strike="noStrike">
+                          <a:solidFill>
+                            <a:srgbClr val="000000"/>
+                          </a:solidFill>
+                          <a:effectLst/>
+                          <a:latin typeface="Calibri"/>
+                        </a:rPr>
+                      </a:br>
+                      <a:r>
+                        <a:rPr lang="fr-FR" sz="900" b="0" i="1" u="none" strike="noStrike">
+                          <a:solidFill>
+                            <a:srgbClr val="000000"/>
+                          </a:solidFill>
+                          <a:effectLst/>
+                          <a:latin typeface="Calibri"/>
+                        </a:rPr>
+                        <a:t>Established</a:t>
+                      </a:r>
+                    </a:p>
+                  </a:txBody>
+                  <a:tcPr marL="11176" marR="11176" marT="11176" marB="0" anchor="ctr">
+                    <a:lnL>
+                      <a:noFill/>
+                    </a:lnL>
+                    <a:lnR>
+                      <a:noFill/>
+                    </a:lnR>
+                    <a:lnT w="6350" cap="flat" cmpd="sng" algn="ctr">
+                      <a:solidFill>
+                        <a:srgbClr val="BFBFBF"/>
+                      </a:solidFill>
+                      <a:prstDash val="solid"/>
+                      <a:round/>
+                      <a:headEnd type="none" w="med" len="med"/>
+                      <a:tailEnd type="none" w="med" len="med"/>
+                    </a:lnT>
+                    <a:lnB>
+                      <a:noFill/>
+                    </a:lnB>
+                    <a:solidFill>
+                      <a:srgbClr val="FFFFFF"/>
+                    </a:solidFill>
+                  </a:tcPr>
+                </a:tc>
+                <a:tc>
+                  <a:txBody>
+                    <a:bodyPr/>
+                    <a:lstStyle/>
+                    <a:p>
+                      <a:pPr algn="ctr" fontAlgn="ctr"/>
+                      <a:r>
+                        <a:rPr lang="fr-FR" sz="900" b="0" i="1" u="none" strike="noStrike">
+                          <a:solidFill>
+                            <a:srgbClr val="000000"/>
+                          </a:solidFill>
+                          <a:effectLst/>
+                          <a:latin typeface="Calibri"/>
+                        </a:rPr>
+                        <a:t>Viable</a:t>
+                      </a:r>
+                    </a:p>
+                  </a:txBody>
+                  <a:tcPr marL="11176" marR="11176" marT="11176" marB="0" anchor="ctr">
+                    <a:lnL>
+                      <a:noFill/>
+                    </a:lnL>
+                    <a:lnR>
+                      <a:noFill/>
+                    </a:lnR>
+                    <a:lnT w="6350" cap="flat" cmpd="sng" algn="ctr">
+                      <a:solidFill>
+                        <a:srgbClr val="BFBFBF"/>
+                      </a:solidFill>
+                      <a:prstDash val="solid"/>
+                      <a:round/>
+                      <a:headEnd type="none" w="med" len="med"/>
+                      <a:tailEnd type="none" w="med" len="med"/>
+                    </a:lnT>
+                    <a:lnB>
+                      <a:noFill/>
+                    </a:lnB>
+                    <a:solidFill>
+                      <a:srgbClr val="FFFFFF"/>
+                    </a:solidFill>
+                  </a:tcPr>
+                </a:tc>
+                <a:tc>
+                  <a:txBody>
+                    <a:bodyPr/>
+                    <a:lstStyle/>
+                    <a:p>
+                      <a:pPr algn="ctr" fontAlgn="ctr"/>
+                      <a:r>
+                        <a:rPr lang="fr-FR" sz="900" b="0" i="1" u="none" strike="noStrike">
+                          <a:solidFill>
+                            <a:srgbClr val="000000"/>
+                          </a:solidFill>
+                          <a:effectLst/>
+                          <a:latin typeface="Calibri"/>
+                        </a:rPr>
+                        <a:t>Addressed</a:t>
+                      </a:r>
+                    </a:p>
+                  </a:txBody>
+                  <a:tcPr marL="11176" marR="11176" marT="11176" marB="0" anchor="ctr">
+                    <a:lnL>
+                      <a:noFill/>
+                    </a:lnL>
+                    <a:lnR>
+                      <a:noFill/>
+                    </a:lnR>
+                    <a:lnT w="6350" cap="flat" cmpd="sng" algn="ctr">
+                      <a:solidFill>
+                        <a:srgbClr val="BFBFBF"/>
+                      </a:solidFill>
+                      <a:prstDash val="solid"/>
+                      <a:round/>
+                      <a:headEnd type="none" w="med" len="med"/>
+                      <a:tailEnd type="none" w="med" len="med"/>
+                    </a:lnT>
+                    <a:lnB>
+                      <a:noFill/>
+                    </a:lnB>
+                    <a:solidFill>
+                      <a:srgbClr val="FFFFFF"/>
+                    </a:solidFill>
+                  </a:tcPr>
+                </a:tc>
+                <a:tc>
+                  <a:txBody>
+                    <a:bodyPr/>
+                    <a:lstStyle/>
+                    <a:p>
+                      <a:pPr algn="ctr" fontAlgn="ctr"/>
+                      <a:r>
+                        <a:rPr lang="fr-FR" sz="900" b="0" i="1" u="none" strike="noStrike">
+                          <a:solidFill>
+                            <a:srgbClr val="000000"/>
+                          </a:solidFill>
+                          <a:effectLst/>
+                          <a:latin typeface="Calibri"/>
+                        </a:rPr>
+                        <a:t>Benefit</a:t>
+                      </a:r>
+                      <a:br>
+                        <a:rPr lang="fr-FR" sz="900" b="0" i="1" u="none" strike="noStrike">
+                          <a:solidFill>
+                            <a:srgbClr val="000000"/>
+                          </a:solidFill>
+                          <a:effectLst/>
+                          <a:latin typeface="Calibri"/>
+                        </a:rPr>
+                      </a:br>
+                      <a:r>
+                        <a:rPr lang="fr-FR" sz="900" b="0" i="1" u="none" strike="noStrike">
+                          <a:solidFill>
+                            <a:srgbClr val="000000"/>
+                          </a:solidFill>
+                          <a:effectLst/>
+                          <a:latin typeface="Calibri"/>
+                        </a:rPr>
+                        <a:t>Accrued</a:t>
+                      </a:r>
+                    </a:p>
+                  </a:txBody>
+                  <a:tcPr marL="11176" marR="11176" marT="11176" marB="0" anchor="ctr">
+                    <a:lnL>
+                      <a:noFill/>
+                    </a:lnL>
+                    <a:lnR w="6350" cap="flat" cmpd="sng" algn="ctr">
+                      <a:solidFill>
+                        <a:srgbClr val="BFBFBF"/>
+                      </a:solidFill>
+                      <a:prstDash val="solid"/>
+                      <a:round/>
+                      <a:headEnd type="none" w="med" len="med"/>
+                      <a:tailEnd type="none" w="med" len="med"/>
+                    </a:lnR>
+                    <a:lnT w="6350" cap="flat" cmpd="sng" algn="ctr">
+                      <a:solidFill>
+                        <a:srgbClr val="BFBFBF"/>
+                      </a:solidFill>
+                      <a:prstDash val="solid"/>
+                      <a:round/>
+                      <a:headEnd type="none" w="med" len="med"/>
+                      <a:tailEnd type="none" w="med" len="med"/>
+                    </a:lnT>
+                    <a:lnB>
+                      <a:noFill/>
+                    </a:lnB>
+                    <a:solidFill>
+                      <a:srgbClr val="FABF8F"/>
+                    </a:solidFill>
+                  </a:tcPr>
+                </a:tc>
+              </a:tr>
+              <a:tr h="417586">
+                <a:tc>
+                  <a:txBody>
+                    <a:bodyPr/>
+                    <a:lstStyle/>
+                    <a:p>
+                      <a:pPr algn="l" fontAlgn="ctr"/>
+                      <a:r>
+                        <a:rPr lang="fr-FR" sz="1200" b="1" i="0" u="none" strike="noStrike">
+                          <a:solidFill>
+                            <a:srgbClr val="000000"/>
+                          </a:solidFill>
+                          <a:effectLst/>
+                          <a:latin typeface="Calibri"/>
+                        </a:rPr>
+                        <a:t>STAKEHOLDERS</a:t>
+                      </a:r>
+                    </a:p>
+                  </a:txBody>
+                  <a:tcPr marL="11176" marR="11176" marT="11176" marB="0" anchor="ctr">
+                    <a:lnL>
+                      <a:noFill/>
+                    </a:lnL>
+                    <a:lnR w="6350" cap="flat" cmpd="sng" algn="ctr">
+                      <a:solidFill>
+                        <a:srgbClr val="BFBFBF"/>
+                      </a:solidFill>
+                      <a:prstDash val="solid"/>
+                      <a:round/>
+                      <a:headEnd type="none" w="med" len="med"/>
+                      <a:tailEnd type="none" w="med" len="med"/>
+                    </a:lnR>
+                    <a:lnT>
+                      <a:noFill/>
+                    </a:lnT>
+                    <a:lnB>
+                      <a:noFill/>
+                    </a:lnB>
+                    <a:solidFill>
+                      <a:srgbClr val="CCFFCC"/>
+                    </a:solidFill>
+                  </a:tcPr>
+                </a:tc>
+                <a:tc>
+                  <a:txBody>
+                    <a:bodyPr/>
+                    <a:lstStyle/>
+                    <a:p>
+                      <a:pPr algn="ctr" fontAlgn="ctr"/>
+                      <a:r>
+                        <a:rPr lang="fr-FR" sz="900" b="0" i="1" u="none" strike="noStrike">
+                          <a:solidFill>
+                            <a:srgbClr val="000000"/>
+                          </a:solidFill>
+                          <a:effectLst/>
+                          <a:latin typeface="Calibri"/>
+                        </a:rPr>
+                        <a:t>Recognized</a:t>
+                      </a:r>
+                    </a:p>
+                  </a:txBody>
+                  <a:tcPr marL="11176" marR="11176" marT="11176" marB="0" anchor="ctr">
+                    <a:lnL w="6350" cap="flat" cmpd="sng" algn="ctr">
+                      <a:solidFill>
+                        <a:srgbClr val="BFBFBF"/>
+                      </a:solidFill>
+                      <a:prstDash val="solid"/>
+                      <a:round/>
+                      <a:headEnd type="none" w="med" len="med"/>
+                      <a:tailEnd type="none" w="med" len="med"/>
+                    </a:lnL>
+                    <a:lnR>
+                      <a:noFill/>
+                    </a:lnR>
+                    <a:lnT>
+                      <a:noFill/>
+                    </a:lnT>
+                    <a:lnB>
+                      <a:noFill/>
+                    </a:lnB>
+                    <a:solidFill>
+                      <a:srgbClr val="FCD5B4"/>
+                    </a:solidFill>
+                  </a:tcPr>
+                </a:tc>
+                <a:tc>
+                  <a:txBody>
+                    <a:bodyPr/>
+                    <a:lstStyle/>
+                    <a:p>
+                      <a:pPr algn="ctr" fontAlgn="ctr"/>
+                      <a:r>
+                        <a:rPr lang="fr-FR" sz="900" b="0" i="1" u="none" strike="noStrike">
+                          <a:solidFill>
+                            <a:srgbClr val="000000"/>
+                          </a:solidFill>
+                          <a:effectLst/>
+                          <a:latin typeface="Calibri"/>
+                        </a:rPr>
+                        <a:t>Represented</a:t>
+                      </a:r>
+                    </a:p>
+                  </a:txBody>
+                  <a:tcPr marL="11176" marR="11176" marT="11176" marB="0" anchor="ctr">
+                    <a:lnL>
+                      <a:noFill/>
+                    </a:lnL>
+                    <a:lnR>
+                      <a:noFill/>
+                    </a:lnR>
+                    <a:lnT>
+                      <a:noFill/>
+                    </a:lnT>
+                    <a:lnB>
+                      <a:noFill/>
+                    </a:lnB>
+                    <a:solidFill>
+                      <a:srgbClr val="FFFFFF"/>
+                    </a:solidFill>
+                  </a:tcPr>
+                </a:tc>
+                <a:tc>
+                  <a:txBody>
+                    <a:bodyPr/>
+                    <a:lstStyle/>
+                    <a:p>
+                      <a:pPr algn="ctr" fontAlgn="ctr"/>
+                      <a:r>
+                        <a:rPr lang="fr-FR" sz="900" b="0" i="1" u="none" strike="noStrike">
+                          <a:solidFill>
+                            <a:srgbClr val="000000"/>
+                          </a:solidFill>
+                          <a:effectLst/>
+                          <a:latin typeface="Calibri"/>
+                        </a:rPr>
+                        <a:t>Involved</a:t>
+                      </a:r>
+                    </a:p>
+                  </a:txBody>
+                  <a:tcPr marL="11176" marR="11176" marT="11176" marB="0" anchor="ctr">
+                    <a:lnL>
+                      <a:noFill/>
+                    </a:lnL>
+                    <a:lnR>
+                      <a:noFill/>
+                    </a:lnR>
+                    <a:lnT>
+                      <a:noFill/>
+                    </a:lnT>
+                    <a:lnB>
+                      <a:noFill/>
+                    </a:lnB>
+                    <a:solidFill>
+                      <a:srgbClr val="FFFFFF"/>
+                    </a:solidFill>
+                  </a:tcPr>
+                </a:tc>
+                <a:tc>
+                  <a:txBody>
+                    <a:bodyPr/>
+                    <a:lstStyle/>
+                    <a:p>
+                      <a:pPr algn="ctr" fontAlgn="ctr"/>
+                      <a:r>
+                        <a:rPr lang="fr-FR" sz="900" b="0" i="1" u="none" strike="noStrike">
+                          <a:solidFill>
+                            <a:srgbClr val="000000"/>
+                          </a:solidFill>
+                          <a:effectLst/>
+                          <a:latin typeface="Calibri"/>
+                        </a:rPr>
+                        <a:t>In</a:t>
+                      </a:r>
+                      <a:br>
+                        <a:rPr lang="fr-FR" sz="900" b="0" i="1" u="none" strike="noStrike">
+                          <a:solidFill>
+                            <a:srgbClr val="000000"/>
+                          </a:solidFill>
+                          <a:effectLst/>
+                          <a:latin typeface="Calibri"/>
+                        </a:rPr>
+                      </a:br>
+                      <a:r>
+                        <a:rPr lang="fr-FR" sz="900" b="0" i="1" u="none" strike="noStrike">
+                          <a:solidFill>
+                            <a:srgbClr val="000000"/>
+                          </a:solidFill>
+                          <a:effectLst/>
+                          <a:latin typeface="Calibri"/>
+                        </a:rPr>
+                        <a:t>Agreement</a:t>
+                      </a:r>
+                    </a:p>
+                  </a:txBody>
+                  <a:tcPr marL="11176" marR="11176" marT="11176" marB="0" anchor="ctr">
+                    <a:lnL>
+                      <a:noFill/>
+                    </a:lnL>
+                    <a:lnR>
+                      <a:noFill/>
+                    </a:lnR>
+                    <a:lnT>
+                      <a:noFill/>
+                    </a:lnT>
+                    <a:lnB>
+                      <a:noFill/>
+                    </a:lnB>
+                    <a:solidFill>
+                      <a:srgbClr val="FFFFFF"/>
+                    </a:solidFill>
+                  </a:tcPr>
+                </a:tc>
+                <a:tc>
+                  <a:txBody>
+                    <a:bodyPr/>
+                    <a:lstStyle/>
+                    <a:p>
+                      <a:pPr algn="ctr" fontAlgn="ctr"/>
+                      <a:r>
+                        <a:rPr lang="fr-FR" sz="900" b="0" i="1" u="none" strike="noStrike">
+                          <a:solidFill>
+                            <a:srgbClr val="000000"/>
+                          </a:solidFill>
+                          <a:effectLst/>
+                          <a:latin typeface="Calibri"/>
+                        </a:rPr>
+                        <a:t>Satisfied for</a:t>
+                      </a:r>
+                      <a:br>
+                        <a:rPr lang="fr-FR" sz="900" b="0" i="1" u="none" strike="noStrike">
+                          <a:solidFill>
+                            <a:srgbClr val="000000"/>
+                          </a:solidFill>
+                          <a:effectLst/>
+                          <a:latin typeface="Calibri"/>
+                        </a:rPr>
+                      </a:br>
+                      <a:r>
+                        <a:rPr lang="fr-FR" sz="900" b="0" i="1" u="none" strike="noStrike">
+                          <a:solidFill>
+                            <a:srgbClr val="000000"/>
+                          </a:solidFill>
+                          <a:effectLst/>
+                          <a:latin typeface="Calibri"/>
+                        </a:rPr>
+                        <a:t>Deployment</a:t>
+                      </a:r>
+                    </a:p>
+                  </a:txBody>
+                  <a:tcPr marL="11176" marR="11176" marT="11176" marB="0" anchor="ctr">
+                    <a:lnL>
+                      <a:noFill/>
+                    </a:lnL>
+                    <a:lnR>
+                      <a:noFill/>
+                    </a:lnR>
+                    <a:lnT>
+                      <a:noFill/>
+                    </a:lnT>
+                    <a:lnB>
+                      <a:noFill/>
+                    </a:lnB>
+                    <a:solidFill>
+                      <a:srgbClr val="FFFFFF"/>
+                    </a:solidFill>
+                  </a:tcPr>
+                </a:tc>
+                <a:tc>
+                  <a:txBody>
+                    <a:bodyPr/>
+                    <a:lstStyle/>
+                    <a:p>
+                      <a:pPr algn="ctr" fontAlgn="ctr"/>
+                      <a:r>
+                        <a:rPr lang="fr-FR" sz="900" b="0" i="1" u="none" strike="noStrike">
+                          <a:solidFill>
+                            <a:srgbClr val="000000"/>
+                          </a:solidFill>
+                          <a:effectLst/>
+                          <a:latin typeface="Calibri"/>
+                        </a:rPr>
+                        <a:t>Satisfied in</a:t>
+                      </a:r>
+                      <a:br>
+                        <a:rPr lang="fr-FR" sz="900" b="0" i="1" u="none" strike="noStrike">
+                          <a:solidFill>
+                            <a:srgbClr val="000000"/>
+                          </a:solidFill>
+                          <a:effectLst/>
+                          <a:latin typeface="Calibri"/>
+                        </a:rPr>
+                      </a:br>
+                      <a:r>
+                        <a:rPr lang="fr-FR" sz="900" b="0" i="1" u="none" strike="noStrike">
+                          <a:solidFill>
+                            <a:srgbClr val="000000"/>
+                          </a:solidFill>
+                          <a:effectLst/>
+                          <a:latin typeface="Calibri"/>
+                        </a:rPr>
+                        <a:t>Use</a:t>
+                      </a:r>
+                    </a:p>
+                  </a:txBody>
+                  <a:tcPr marL="11176" marR="11176" marT="11176" marB="0" anchor="ctr">
+                    <a:lnL>
+                      <a:noFill/>
+                    </a:lnL>
+                    <a:lnR w="6350" cap="flat" cmpd="sng" algn="ctr">
+                      <a:solidFill>
+                        <a:srgbClr val="BFBFBF"/>
+                      </a:solidFill>
+                      <a:prstDash val="solid"/>
+                      <a:round/>
+                      <a:headEnd type="none" w="med" len="med"/>
+                      <a:tailEnd type="none" w="med" len="med"/>
+                    </a:lnR>
+                    <a:lnT>
+                      <a:noFill/>
+                    </a:lnT>
+                    <a:lnB>
+                      <a:noFill/>
+                    </a:lnB>
+                    <a:solidFill>
+                      <a:srgbClr val="FABF8F"/>
+                    </a:solidFill>
+                  </a:tcPr>
+                </a:tc>
+              </a:tr>
+              <a:tr h="417586">
+                <a:tc>
+                  <a:txBody>
+                    <a:bodyPr/>
+                    <a:lstStyle/>
+                    <a:p>
+                      <a:pPr algn="l" fontAlgn="ctr"/>
+                      <a:r>
+                        <a:rPr lang="fr-FR" sz="1200" b="1" i="0" u="none" strike="noStrike">
+                          <a:solidFill>
+                            <a:srgbClr val="000000"/>
+                          </a:solidFill>
+                          <a:effectLst/>
+                          <a:latin typeface="Calibri"/>
+                        </a:rPr>
+                        <a:t>REQUIREMENTS</a:t>
+                      </a:r>
+                    </a:p>
+                  </a:txBody>
+                  <a:tcPr marL="11176" marR="11176" marT="11176" marB="0" anchor="ctr">
+                    <a:lnL>
+                      <a:noFill/>
+                    </a:lnL>
+                    <a:lnR w="6350" cap="flat" cmpd="sng" algn="ctr">
+                      <a:solidFill>
+                        <a:srgbClr val="BFBFBF"/>
+                      </a:solidFill>
+                      <a:prstDash val="solid"/>
+                      <a:round/>
+                      <a:headEnd type="none" w="med" len="med"/>
+                      <a:tailEnd type="none" w="med" len="med"/>
+                    </a:lnR>
+                    <a:lnT>
+                      <a:noFill/>
+                    </a:lnT>
+                    <a:lnB>
+                      <a:noFill/>
+                    </a:lnB>
+                    <a:solidFill>
+                      <a:srgbClr val="FFFF99"/>
+                    </a:solidFill>
+                  </a:tcPr>
+                </a:tc>
+                <a:tc>
+                  <a:txBody>
+                    <a:bodyPr/>
+                    <a:lstStyle/>
+                    <a:p>
+                      <a:pPr algn="ctr" fontAlgn="ctr"/>
+                      <a:r>
+                        <a:rPr lang="fr-FR" sz="900" b="0" i="1" u="none" strike="noStrike">
+                          <a:solidFill>
+                            <a:srgbClr val="000000"/>
+                          </a:solidFill>
+                          <a:effectLst/>
+                          <a:latin typeface="Calibri"/>
+                        </a:rPr>
+                        <a:t>Conceived</a:t>
+                      </a:r>
+                    </a:p>
+                  </a:txBody>
+                  <a:tcPr marL="11176" marR="11176" marT="11176" marB="0" anchor="ctr">
+                    <a:lnL w="6350" cap="flat" cmpd="sng" algn="ctr">
+                      <a:solidFill>
+                        <a:srgbClr val="BFBFBF"/>
+                      </a:solidFill>
+                      <a:prstDash val="solid"/>
+                      <a:round/>
+                      <a:headEnd type="none" w="med" len="med"/>
+                      <a:tailEnd type="none" w="med" len="med"/>
+                    </a:lnL>
+                    <a:lnR>
+                      <a:noFill/>
+                    </a:lnR>
+                    <a:lnT>
+                      <a:noFill/>
+                    </a:lnT>
+                    <a:lnB>
+                      <a:noFill/>
+                    </a:lnB>
+                    <a:solidFill>
+                      <a:srgbClr val="FCD5B4"/>
+                    </a:solidFill>
+                  </a:tcPr>
+                </a:tc>
+                <a:tc>
+                  <a:txBody>
+                    <a:bodyPr/>
+                    <a:lstStyle/>
+                    <a:p>
+                      <a:pPr algn="ctr" fontAlgn="ctr"/>
+                      <a:r>
+                        <a:rPr lang="fr-FR" sz="900" b="0" i="1" u="none" strike="noStrike">
+                          <a:solidFill>
+                            <a:srgbClr val="000000"/>
+                          </a:solidFill>
+                          <a:effectLst/>
+                          <a:latin typeface="Calibri"/>
+                        </a:rPr>
+                        <a:t>Bounded</a:t>
+                      </a:r>
+                    </a:p>
+                  </a:txBody>
+                  <a:tcPr marL="11176" marR="11176" marT="11176" marB="0" anchor="ctr">
+                    <a:lnL>
+                      <a:noFill/>
+                    </a:lnL>
+                    <a:lnR>
+                      <a:noFill/>
+                    </a:lnR>
+                    <a:lnT>
+                      <a:noFill/>
+                    </a:lnT>
+                    <a:lnB>
+                      <a:noFill/>
+                    </a:lnB>
+                    <a:solidFill>
+                      <a:srgbClr val="FFFFFF"/>
+                    </a:solidFill>
+                  </a:tcPr>
+                </a:tc>
+                <a:tc>
+                  <a:txBody>
+                    <a:bodyPr/>
+                    <a:lstStyle/>
+                    <a:p>
+                      <a:pPr algn="ctr" fontAlgn="ctr"/>
+                      <a:r>
+                        <a:rPr lang="fr-FR" sz="900" b="0" i="1" u="none" strike="noStrike" dirty="0" err="1">
+                          <a:solidFill>
+                            <a:srgbClr val="000000"/>
+                          </a:solidFill>
+                          <a:effectLst/>
+                          <a:latin typeface="Calibri"/>
+                        </a:rPr>
+                        <a:t>Coherent</a:t>
+                      </a:r>
+                      <a:endParaRPr lang="fr-FR" sz="900" b="0" i="1" u="none" strike="noStrike" dirty="0">
+                        <a:solidFill>
+                          <a:srgbClr val="000000"/>
+                        </a:solidFill>
+                        <a:effectLst/>
+                        <a:latin typeface="Calibri"/>
+                      </a:endParaRPr>
+                    </a:p>
+                  </a:txBody>
+                  <a:tcPr marL="11176" marR="11176" marT="11176" marB="0" anchor="ctr">
+                    <a:lnL>
+                      <a:noFill/>
+                    </a:lnL>
+                    <a:lnR>
+                      <a:noFill/>
+                    </a:lnR>
+                    <a:lnT>
+                      <a:noFill/>
+                    </a:lnT>
+                    <a:lnB>
+                      <a:noFill/>
+                    </a:lnB>
+                    <a:solidFill>
+                      <a:srgbClr val="FFFFFF"/>
+                    </a:solidFill>
+                  </a:tcPr>
+                </a:tc>
+                <a:tc>
+                  <a:txBody>
+                    <a:bodyPr/>
+                    <a:lstStyle/>
+                    <a:p>
+                      <a:pPr algn="ctr" fontAlgn="ctr"/>
+                      <a:r>
+                        <a:rPr lang="fr-FR" sz="900" b="0" i="1" u="none" strike="noStrike">
+                          <a:solidFill>
+                            <a:srgbClr val="000000"/>
+                          </a:solidFill>
+                          <a:effectLst/>
+                          <a:latin typeface="Calibri"/>
+                        </a:rPr>
+                        <a:t>Acceptable</a:t>
+                      </a:r>
+                    </a:p>
+                  </a:txBody>
+                  <a:tcPr marL="11176" marR="11176" marT="11176" marB="0" anchor="ctr">
+                    <a:lnL>
+                      <a:noFill/>
+                    </a:lnL>
+                    <a:lnR>
+                      <a:noFill/>
+                    </a:lnR>
+                    <a:lnT>
+                      <a:noFill/>
+                    </a:lnT>
+                    <a:lnB>
+                      <a:noFill/>
+                    </a:lnB>
+                    <a:solidFill>
+                      <a:srgbClr val="FFFFFF"/>
+                    </a:solidFill>
+                  </a:tcPr>
+                </a:tc>
+                <a:tc>
+                  <a:txBody>
+                    <a:bodyPr/>
+                    <a:lstStyle/>
+                    <a:p>
+                      <a:pPr algn="ctr" fontAlgn="ctr"/>
+                      <a:r>
+                        <a:rPr lang="fr-FR" sz="900" b="0" i="1" u="none" strike="noStrike">
+                          <a:solidFill>
+                            <a:srgbClr val="000000"/>
+                          </a:solidFill>
+                          <a:effectLst/>
+                          <a:latin typeface="Calibri"/>
+                        </a:rPr>
+                        <a:t>Addressed</a:t>
+                      </a:r>
+                    </a:p>
+                  </a:txBody>
+                  <a:tcPr marL="11176" marR="11176" marT="11176" marB="0" anchor="ctr">
+                    <a:lnL>
+                      <a:noFill/>
+                    </a:lnL>
+                    <a:lnR>
+                      <a:noFill/>
+                    </a:lnR>
+                    <a:lnT>
+                      <a:noFill/>
+                    </a:lnT>
+                    <a:lnB>
+                      <a:noFill/>
+                    </a:lnB>
+                    <a:solidFill>
+                      <a:srgbClr val="FFFFFF"/>
+                    </a:solidFill>
+                  </a:tcPr>
+                </a:tc>
+                <a:tc>
+                  <a:txBody>
+                    <a:bodyPr/>
+                    <a:lstStyle/>
+                    <a:p>
+                      <a:pPr algn="ctr" fontAlgn="ctr"/>
+                      <a:r>
+                        <a:rPr lang="fr-FR" sz="900" b="0" i="1" u="none" strike="noStrike">
+                          <a:solidFill>
+                            <a:srgbClr val="000000"/>
+                          </a:solidFill>
+                          <a:effectLst/>
+                          <a:latin typeface="Calibri"/>
+                        </a:rPr>
+                        <a:t>Fulfilled</a:t>
+                      </a:r>
+                    </a:p>
+                  </a:txBody>
+                  <a:tcPr marL="11176" marR="11176" marT="11176" marB="0" anchor="ctr">
+                    <a:lnL>
+                      <a:noFill/>
+                    </a:lnL>
+                    <a:lnR w="6350" cap="flat" cmpd="sng" algn="ctr">
+                      <a:solidFill>
+                        <a:srgbClr val="BFBFBF"/>
+                      </a:solidFill>
+                      <a:prstDash val="solid"/>
+                      <a:round/>
+                      <a:headEnd type="none" w="med" len="med"/>
+                      <a:tailEnd type="none" w="med" len="med"/>
+                    </a:lnR>
+                    <a:lnT>
+                      <a:noFill/>
+                    </a:lnT>
+                    <a:lnB>
+                      <a:noFill/>
+                    </a:lnB>
+                    <a:solidFill>
+                      <a:srgbClr val="FABF8F"/>
+                    </a:solidFill>
+                  </a:tcPr>
+                </a:tc>
+              </a:tr>
+              <a:tr h="417586">
+                <a:tc>
+                  <a:txBody>
+                    <a:bodyPr/>
+                    <a:lstStyle/>
+                    <a:p>
+                      <a:pPr algn="l" fontAlgn="ctr"/>
+                      <a:r>
+                        <a:rPr lang="fr-FR" sz="1200" b="1" i="0" u="none" strike="noStrike">
+                          <a:solidFill>
+                            <a:srgbClr val="000000"/>
+                          </a:solidFill>
+                          <a:effectLst/>
+                          <a:latin typeface="Calibri"/>
+                        </a:rPr>
+                        <a:t>SOFTWARE SYSTEM</a:t>
+                      </a:r>
+                    </a:p>
+                  </a:txBody>
+                  <a:tcPr marL="11176" marR="11176" marT="11176" marB="0" anchor="ctr">
+                    <a:lnL>
+                      <a:noFill/>
+                    </a:lnL>
+                    <a:lnR w="6350" cap="flat" cmpd="sng" algn="ctr">
+                      <a:solidFill>
+                        <a:srgbClr val="BFBFBF"/>
+                      </a:solidFill>
+                      <a:prstDash val="solid"/>
+                      <a:round/>
+                      <a:headEnd type="none" w="med" len="med"/>
+                      <a:tailEnd type="none" w="med" len="med"/>
+                    </a:lnR>
+                    <a:lnT>
+                      <a:noFill/>
+                    </a:lnT>
+                    <a:lnB>
+                      <a:noFill/>
+                    </a:lnB>
+                    <a:solidFill>
+                      <a:srgbClr val="FFFF99"/>
+                    </a:solidFill>
+                  </a:tcPr>
+                </a:tc>
+                <a:tc>
+                  <a:txBody>
+                    <a:bodyPr/>
+                    <a:lstStyle/>
+                    <a:p>
+                      <a:pPr algn="ctr" fontAlgn="ctr"/>
+                      <a:r>
+                        <a:rPr lang="fr-FR" sz="900" b="0" i="1" u="none" strike="noStrike">
+                          <a:solidFill>
+                            <a:srgbClr val="000000"/>
+                          </a:solidFill>
+                          <a:effectLst/>
+                          <a:latin typeface="Calibri"/>
+                        </a:rPr>
+                        <a:t>Architecture</a:t>
+                      </a:r>
+                      <a:br>
+                        <a:rPr lang="fr-FR" sz="900" b="0" i="1" u="none" strike="noStrike">
+                          <a:solidFill>
+                            <a:srgbClr val="000000"/>
+                          </a:solidFill>
+                          <a:effectLst/>
+                          <a:latin typeface="Calibri"/>
+                        </a:rPr>
+                      </a:br>
+                      <a:r>
+                        <a:rPr lang="fr-FR" sz="900" b="0" i="1" u="none" strike="noStrike">
+                          <a:solidFill>
+                            <a:srgbClr val="000000"/>
+                          </a:solidFill>
+                          <a:effectLst/>
+                          <a:latin typeface="Calibri"/>
+                        </a:rPr>
+                        <a:t>Selected</a:t>
+                      </a:r>
+                    </a:p>
+                  </a:txBody>
+                  <a:tcPr marL="11176" marR="11176" marT="11176" marB="0" anchor="ctr">
+                    <a:lnL w="6350" cap="flat" cmpd="sng" algn="ctr">
+                      <a:solidFill>
+                        <a:srgbClr val="BFBFBF"/>
+                      </a:solidFill>
+                      <a:prstDash val="solid"/>
+                      <a:round/>
+                      <a:headEnd type="none" w="med" len="med"/>
+                      <a:tailEnd type="none" w="med" len="med"/>
+                    </a:lnL>
+                    <a:lnR>
+                      <a:noFill/>
+                    </a:lnR>
+                    <a:lnT>
+                      <a:noFill/>
+                    </a:lnT>
+                    <a:lnB>
+                      <a:noFill/>
+                    </a:lnB>
+                    <a:solidFill>
+                      <a:srgbClr val="FCD5B4"/>
+                    </a:solidFill>
+                  </a:tcPr>
+                </a:tc>
+                <a:tc>
+                  <a:txBody>
+                    <a:bodyPr/>
+                    <a:lstStyle/>
+                    <a:p>
+                      <a:pPr algn="ctr" fontAlgn="ctr"/>
+                      <a:r>
+                        <a:rPr lang="fr-FR" sz="900" b="0" i="1" u="none" strike="noStrike">
+                          <a:solidFill>
+                            <a:srgbClr val="000000"/>
+                          </a:solidFill>
+                          <a:effectLst/>
+                          <a:latin typeface="Calibri"/>
+                        </a:rPr>
+                        <a:t>Demonstrable</a:t>
+                      </a:r>
+                    </a:p>
+                  </a:txBody>
+                  <a:tcPr marL="11176" marR="11176" marT="11176" marB="0" anchor="ctr">
+                    <a:lnL>
+                      <a:noFill/>
+                    </a:lnL>
+                    <a:lnR>
+                      <a:noFill/>
+                    </a:lnR>
+                    <a:lnT>
+                      <a:noFill/>
+                    </a:lnT>
+                    <a:lnB>
+                      <a:noFill/>
+                    </a:lnB>
+                    <a:solidFill>
+                      <a:srgbClr val="FFFFFF"/>
+                    </a:solidFill>
+                  </a:tcPr>
+                </a:tc>
+                <a:tc>
+                  <a:txBody>
+                    <a:bodyPr/>
+                    <a:lstStyle/>
+                    <a:p>
+                      <a:pPr algn="ctr" fontAlgn="ctr"/>
+                      <a:r>
+                        <a:rPr lang="fr-FR" sz="900" b="0" i="1" u="none" strike="noStrike">
+                          <a:solidFill>
+                            <a:srgbClr val="000000"/>
+                          </a:solidFill>
+                          <a:effectLst/>
+                          <a:latin typeface="Calibri"/>
+                        </a:rPr>
+                        <a:t>Useable</a:t>
+                      </a:r>
+                    </a:p>
+                  </a:txBody>
+                  <a:tcPr marL="11176" marR="11176" marT="11176" marB="0" anchor="ctr">
+                    <a:lnL>
+                      <a:noFill/>
+                    </a:lnL>
+                    <a:lnR>
+                      <a:noFill/>
+                    </a:lnR>
+                    <a:lnT>
+                      <a:noFill/>
+                    </a:lnT>
+                    <a:lnB>
+                      <a:noFill/>
+                    </a:lnB>
+                    <a:solidFill>
+                      <a:srgbClr val="FFFFFF"/>
+                    </a:solidFill>
+                  </a:tcPr>
+                </a:tc>
+                <a:tc>
+                  <a:txBody>
+                    <a:bodyPr/>
+                    <a:lstStyle/>
+                    <a:p>
+                      <a:pPr algn="ctr" fontAlgn="ctr"/>
+                      <a:r>
+                        <a:rPr lang="fr-FR" sz="900" b="0" i="1" u="none" strike="noStrike">
+                          <a:solidFill>
+                            <a:srgbClr val="000000"/>
+                          </a:solidFill>
+                          <a:effectLst/>
+                          <a:latin typeface="Calibri"/>
+                        </a:rPr>
+                        <a:t>Ready</a:t>
+                      </a:r>
+                    </a:p>
+                  </a:txBody>
+                  <a:tcPr marL="11176" marR="11176" marT="11176" marB="0" anchor="ctr">
+                    <a:lnL>
+                      <a:noFill/>
+                    </a:lnL>
+                    <a:lnR>
+                      <a:noFill/>
+                    </a:lnR>
+                    <a:lnT>
+                      <a:noFill/>
+                    </a:lnT>
+                    <a:lnB>
+                      <a:noFill/>
+                    </a:lnB>
+                    <a:solidFill>
+                      <a:srgbClr val="FFFFFF"/>
+                    </a:solidFill>
+                  </a:tcPr>
+                </a:tc>
+                <a:tc>
+                  <a:txBody>
+                    <a:bodyPr/>
+                    <a:lstStyle/>
+                    <a:p>
+                      <a:pPr algn="ctr" fontAlgn="ctr"/>
+                      <a:r>
+                        <a:rPr lang="fr-FR" sz="900" b="0" i="1" u="none" strike="noStrike">
+                          <a:solidFill>
+                            <a:srgbClr val="000000"/>
+                          </a:solidFill>
+                          <a:effectLst/>
+                          <a:latin typeface="Calibri"/>
+                        </a:rPr>
+                        <a:t>Operational</a:t>
+                      </a:r>
+                    </a:p>
+                  </a:txBody>
+                  <a:tcPr marL="11176" marR="11176" marT="11176" marB="0" anchor="ctr">
+                    <a:lnL>
+                      <a:noFill/>
+                    </a:lnL>
+                    <a:lnR>
+                      <a:noFill/>
+                    </a:lnR>
+                    <a:lnT>
+                      <a:noFill/>
+                    </a:lnT>
+                    <a:lnB>
+                      <a:noFill/>
+                    </a:lnB>
+                    <a:solidFill>
+                      <a:srgbClr val="FFFFFF"/>
+                    </a:solidFill>
+                  </a:tcPr>
+                </a:tc>
+                <a:tc>
+                  <a:txBody>
+                    <a:bodyPr/>
+                    <a:lstStyle/>
+                    <a:p>
+                      <a:pPr algn="ctr" fontAlgn="ctr"/>
+                      <a:r>
+                        <a:rPr lang="fr-FR" sz="900" b="0" i="1" u="none" strike="noStrike">
+                          <a:solidFill>
+                            <a:srgbClr val="000000"/>
+                          </a:solidFill>
+                          <a:effectLst/>
+                          <a:latin typeface="Calibri"/>
+                        </a:rPr>
+                        <a:t>Retired</a:t>
+                      </a:r>
+                    </a:p>
+                  </a:txBody>
+                  <a:tcPr marL="11176" marR="11176" marT="11176" marB="0" anchor="ctr">
+                    <a:lnL>
+                      <a:noFill/>
+                    </a:lnL>
+                    <a:lnR w="6350" cap="flat" cmpd="sng" algn="ctr">
+                      <a:solidFill>
+                        <a:srgbClr val="BFBFBF"/>
+                      </a:solidFill>
+                      <a:prstDash val="solid"/>
+                      <a:round/>
+                      <a:headEnd type="none" w="med" len="med"/>
+                      <a:tailEnd type="none" w="med" len="med"/>
+                    </a:lnR>
+                    <a:lnT>
+                      <a:noFill/>
+                    </a:lnT>
+                    <a:lnB>
+                      <a:noFill/>
+                    </a:lnB>
+                    <a:solidFill>
+                      <a:srgbClr val="FABF8F"/>
+                    </a:solidFill>
+                  </a:tcPr>
+                </a:tc>
+              </a:tr>
+              <a:tr h="417586">
+                <a:tc>
+                  <a:txBody>
+                    <a:bodyPr/>
+                    <a:lstStyle/>
+                    <a:p>
+                      <a:pPr algn="l" fontAlgn="ctr"/>
+                      <a:r>
+                        <a:rPr lang="fr-FR" sz="1200" b="1" i="0" u="none" strike="noStrike">
+                          <a:solidFill>
+                            <a:srgbClr val="000000"/>
+                          </a:solidFill>
+                          <a:effectLst/>
+                          <a:latin typeface="Calibri"/>
+                        </a:rPr>
+                        <a:t>TEAM</a:t>
+                      </a:r>
+                    </a:p>
+                  </a:txBody>
+                  <a:tcPr marL="11176" marR="11176" marT="11176" marB="0" anchor="ctr">
+                    <a:lnL>
+                      <a:noFill/>
+                    </a:lnL>
+                    <a:lnR w="6350" cap="flat" cmpd="sng" algn="ctr">
+                      <a:solidFill>
+                        <a:srgbClr val="BFBFBF"/>
+                      </a:solidFill>
+                      <a:prstDash val="solid"/>
+                      <a:round/>
+                      <a:headEnd type="none" w="med" len="med"/>
+                      <a:tailEnd type="none" w="med" len="med"/>
+                    </a:lnR>
+                    <a:lnT>
+                      <a:noFill/>
+                    </a:lnT>
+                    <a:lnB>
+                      <a:noFill/>
+                    </a:lnB>
+                    <a:solidFill>
+                      <a:srgbClr val="B8CCE4"/>
+                    </a:solidFill>
+                  </a:tcPr>
+                </a:tc>
+                <a:tc>
+                  <a:txBody>
+                    <a:bodyPr/>
+                    <a:lstStyle/>
+                    <a:p>
+                      <a:pPr algn="ctr" fontAlgn="ctr"/>
+                      <a:r>
+                        <a:rPr lang="fr-FR" sz="900" b="0" i="1" u="none" strike="noStrike">
+                          <a:solidFill>
+                            <a:srgbClr val="000000"/>
+                          </a:solidFill>
+                          <a:effectLst/>
+                          <a:latin typeface="Calibri"/>
+                        </a:rPr>
+                        <a:t>Seeded</a:t>
+                      </a:r>
+                    </a:p>
+                  </a:txBody>
+                  <a:tcPr marL="11176" marR="11176" marT="11176" marB="0" anchor="ctr">
+                    <a:lnL w="6350" cap="flat" cmpd="sng" algn="ctr">
+                      <a:solidFill>
+                        <a:srgbClr val="BFBFBF"/>
+                      </a:solidFill>
+                      <a:prstDash val="solid"/>
+                      <a:round/>
+                      <a:headEnd type="none" w="med" len="med"/>
+                      <a:tailEnd type="none" w="med" len="med"/>
+                    </a:lnL>
+                    <a:lnR>
+                      <a:noFill/>
+                    </a:lnR>
+                    <a:lnT>
+                      <a:noFill/>
+                    </a:lnT>
+                    <a:lnB>
+                      <a:noFill/>
+                    </a:lnB>
+                    <a:solidFill>
+                      <a:srgbClr val="FCD5B4"/>
+                    </a:solidFill>
+                  </a:tcPr>
+                </a:tc>
+                <a:tc>
+                  <a:txBody>
+                    <a:bodyPr/>
+                    <a:lstStyle/>
+                    <a:p>
+                      <a:pPr algn="ctr" fontAlgn="ctr"/>
+                      <a:r>
+                        <a:rPr lang="fr-FR" sz="900" b="0" i="1" u="none" strike="noStrike">
+                          <a:solidFill>
+                            <a:srgbClr val="000000"/>
+                          </a:solidFill>
+                          <a:effectLst/>
+                          <a:latin typeface="Calibri"/>
+                        </a:rPr>
+                        <a:t>Formed</a:t>
+                      </a:r>
+                    </a:p>
+                  </a:txBody>
+                  <a:tcPr marL="11176" marR="11176" marT="11176" marB="0" anchor="ctr">
+                    <a:lnL>
+                      <a:noFill/>
+                    </a:lnL>
+                    <a:lnR>
+                      <a:noFill/>
+                    </a:lnR>
+                    <a:lnT>
+                      <a:noFill/>
+                    </a:lnT>
+                    <a:lnB>
+                      <a:noFill/>
+                    </a:lnB>
+                    <a:solidFill>
+                      <a:srgbClr val="FFFFFF"/>
+                    </a:solidFill>
+                  </a:tcPr>
+                </a:tc>
+                <a:tc>
+                  <a:txBody>
+                    <a:bodyPr/>
+                    <a:lstStyle/>
+                    <a:p>
+                      <a:pPr algn="ctr" fontAlgn="ctr"/>
+                      <a:r>
+                        <a:rPr lang="fr-FR" sz="900" b="0" i="1" u="none" strike="noStrike">
+                          <a:solidFill>
+                            <a:srgbClr val="000000"/>
+                          </a:solidFill>
+                          <a:effectLst/>
+                          <a:latin typeface="Calibri"/>
+                        </a:rPr>
+                        <a:t>Collaborating</a:t>
+                      </a:r>
+                    </a:p>
+                  </a:txBody>
+                  <a:tcPr marL="11176" marR="11176" marT="11176" marB="0" anchor="ctr">
+                    <a:lnL>
+                      <a:noFill/>
+                    </a:lnL>
+                    <a:lnR>
+                      <a:noFill/>
+                    </a:lnR>
+                    <a:lnT>
+                      <a:noFill/>
+                    </a:lnT>
+                    <a:lnB>
+                      <a:noFill/>
+                    </a:lnB>
+                    <a:solidFill>
+                      <a:srgbClr val="FFFFFF"/>
+                    </a:solidFill>
+                  </a:tcPr>
+                </a:tc>
+                <a:tc>
+                  <a:txBody>
+                    <a:bodyPr/>
+                    <a:lstStyle/>
+                    <a:p>
+                      <a:pPr algn="ctr" fontAlgn="ctr"/>
+                      <a:r>
+                        <a:rPr lang="fr-FR" sz="900" b="0" i="1" u="none" strike="noStrike">
+                          <a:solidFill>
+                            <a:srgbClr val="000000"/>
+                          </a:solidFill>
+                          <a:effectLst/>
+                          <a:latin typeface="Calibri"/>
+                        </a:rPr>
+                        <a:t>Performing</a:t>
+                      </a:r>
+                    </a:p>
+                  </a:txBody>
+                  <a:tcPr marL="11176" marR="11176" marT="11176" marB="0" anchor="ctr">
+                    <a:lnL>
+                      <a:noFill/>
+                    </a:lnL>
+                    <a:lnR>
+                      <a:noFill/>
+                    </a:lnR>
+                    <a:lnT>
+                      <a:noFill/>
+                    </a:lnT>
+                    <a:lnB>
+                      <a:noFill/>
+                    </a:lnB>
+                    <a:solidFill>
+                      <a:srgbClr val="FABF8F"/>
+                    </a:solidFill>
+                  </a:tcPr>
+                </a:tc>
+                <a:tc>
+                  <a:txBody>
+                    <a:bodyPr/>
+                    <a:lstStyle/>
+                    <a:p>
+                      <a:pPr algn="ctr" fontAlgn="ctr"/>
+                      <a:r>
+                        <a:rPr lang="fr-FR" sz="900" b="0" i="1" u="none" strike="noStrike">
+                          <a:solidFill>
+                            <a:srgbClr val="000000"/>
+                          </a:solidFill>
+                          <a:effectLst/>
+                          <a:latin typeface="Calibri"/>
+                        </a:rPr>
+                        <a:t>Ajourned</a:t>
+                      </a:r>
+                    </a:p>
+                  </a:txBody>
+                  <a:tcPr marL="11176" marR="11176" marT="11176" marB="0" anchor="ctr">
+                    <a:lnL>
+                      <a:noFill/>
+                    </a:lnL>
+                    <a:lnR>
+                      <a:noFill/>
+                    </a:lnR>
+                    <a:lnT>
+                      <a:noFill/>
+                    </a:lnT>
+                    <a:lnB>
+                      <a:noFill/>
+                    </a:lnB>
+                    <a:solidFill>
+                      <a:srgbClr val="FFFFFF"/>
+                    </a:solidFill>
+                  </a:tcPr>
+                </a:tc>
+                <a:tc>
+                  <a:txBody>
+                    <a:bodyPr/>
+                    <a:lstStyle/>
+                    <a:p>
+                      <a:pPr algn="ctr" fontAlgn="ctr"/>
+                      <a:r>
+                        <a:rPr lang="fr-FR" sz="900" b="0" i="1" u="none" strike="noStrike">
+                          <a:solidFill>
+                            <a:srgbClr val="000000"/>
+                          </a:solidFill>
+                          <a:effectLst/>
+                          <a:latin typeface="Calibri"/>
+                        </a:rPr>
+                        <a:t>-</a:t>
+                      </a:r>
+                    </a:p>
+                  </a:txBody>
+                  <a:tcPr marL="11176" marR="11176" marT="11176" marB="0" anchor="ctr">
+                    <a:lnL>
+                      <a:noFill/>
+                    </a:lnL>
+                    <a:lnR w="6350" cap="flat" cmpd="sng" algn="ctr">
+                      <a:solidFill>
+                        <a:srgbClr val="BFBFBF"/>
+                      </a:solidFill>
+                      <a:prstDash val="solid"/>
+                      <a:round/>
+                      <a:headEnd type="none" w="med" len="med"/>
+                      <a:tailEnd type="none" w="med" len="med"/>
+                    </a:lnR>
+                    <a:lnT>
+                      <a:noFill/>
+                    </a:lnT>
+                    <a:lnB>
+                      <a:noFill/>
+                    </a:lnB>
+                    <a:solidFill>
+                      <a:srgbClr val="FFFFFF"/>
+                    </a:solidFill>
+                  </a:tcPr>
+                </a:tc>
+              </a:tr>
+              <a:tr h="417586">
+                <a:tc>
+                  <a:txBody>
+                    <a:bodyPr/>
+                    <a:lstStyle/>
+                    <a:p>
+                      <a:pPr algn="l" fontAlgn="ctr"/>
+                      <a:r>
+                        <a:rPr lang="fr-FR" sz="1200" b="1" i="0" u="none" strike="noStrike">
+                          <a:solidFill>
+                            <a:srgbClr val="000000"/>
+                          </a:solidFill>
+                          <a:effectLst/>
+                          <a:latin typeface="Calibri"/>
+                        </a:rPr>
+                        <a:t>WORK</a:t>
+                      </a:r>
+                    </a:p>
+                  </a:txBody>
+                  <a:tcPr marL="11176" marR="11176" marT="11176" marB="0" anchor="ctr">
+                    <a:lnL>
+                      <a:noFill/>
+                    </a:lnL>
+                    <a:lnR w="6350" cap="flat" cmpd="sng" algn="ctr">
+                      <a:solidFill>
+                        <a:srgbClr val="BFBFBF"/>
+                      </a:solidFill>
+                      <a:prstDash val="solid"/>
+                      <a:round/>
+                      <a:headEnd type="none" w="med" len="med"/>
+                      <a:tailEnd type="none" w="med" len="med"/>
+                    </a:lnR>
+                    <a:lnT>
+                      <a:noFill/>
+                    </a:lnT>
+                    <a:lnB>
+                      <a:noFill/>
+                    </a:lnB>
+                    <a:solidFill>
+                      <a:srgbClr val="B8CCE4"/>
+                    </a:solidFill>
+                  </a:tcPr>
+                </a:tc>
+                <a:tc>
+                  <a:txBody>
+                    <a:bodyPr/>
+                    <a:lstStyle/>
+                    <a:p>
+                      <a:pPr algn="ctr" fontAlgn="ctr"/>
+                      <a:r>
+                        <a:rPr lang="fr-FR" sz="900" b="0" i="1" u="none" strike="noStrike">
+                          <a:solidFill>
+                            <a:srgbClr val="000000"/>
+                          </a:solidFill>
+                          <a:effectLst/>
+                          <a:latin typeface="Calibri"/>
+                        </a:rPr>
+                        <a:t>Initiated</a:t>
+                      </a:r>
+                    </a:p>
+                  </a:txBody>
+                  <a:tcPr marL="11176" marR="11176" marT="11176" marB="0" anchor="ctr">
+                    <a:lnL w="6350" cap="flat" cmpd="sng" algn="ctr">
+                      <a:solidFill>
+                        <a:srgbClr val="BFBFBF"/>
+                      </a:solidFill>
+                      <a:prstDash val="solid"/>
+                      <a:round/>
+                      <a:headEnd type="none" w="med" len="med"/>
+                      <a:tailEnd type="none" w="med" len="med"/>
+                    </a:lnL>
+                    <a:lnR>
+                      <a:noFill/>
+                    </a:lnR>
+                    <a:lnT>
+                      <a:noFill/>
+                    </a:lnT>
+                    <a:lnB>
+                      <a:noFill/>
+                    </a:lnB>
+                    <a:solidFill>
+                      <a:srgbClr val="FCD5B4"/>
+                    </a:solidFill>
+                  </a:tcPr>
+                </a:tc>
+                <a:tc>
+                  <a:txBody>
+                    <a:bodyPr/>
+                    <a:lstStyle/>
+                    <a:p>
+                      <a:pPr algn="ctr" fontAlgn="ctr"/>
+                      <a:r>
+                        <a:rPr lang="fr-FR" sz="900" b="0" i="1" u="none" strike="noStrike">
+                          <a:solidFill>
+                            <a:srgbClr val="000000"/>
+                          </a:solidFill>
+                          <a:effectLst/>
+                          <a:latin typeface="Calibri"/>
+                        </a:rPr>
+                        <a:t>Prepared</a:t>
+                      </a:r>
+                    </a:p>
+                  </a:txBody>
+                  <a:tcPr marL="11176" marR="11176" marT="11176" marB="0" anchor="ctr">
+                    <a:lnL>
+                      <a:noFill/>
+                    </a:lnL>
+                    <a:lnR>
+                      <a:noFill/>
+                    </a:lnR>
+                    <a:lnT>
+                      <a:noFill/>
+                    </a:lnT>
+                    <a:lnB>
+                      <a:noFill/>
+                    </a:lnB>
+                    <a:solidFill>
+                      <a:srgbClr val="FFFFFF"/>
+                    </a:solidFill>
+                  </a:tcPr>
+                </a:tc>
+                <a:tc>
+                  <a:txBody>
+                    <a:bodyPr/>
+                    <a:lstStyle/>
+                    <a:p>
+                      <a:pPr algn="ctr" fontAlgn="ctr"/>
+                      <a:r>
+                        <a:rPr lang="fr-FR" sz="900" b="0" i="1" u="none" strike="noStrike">
+                          <a:solidFill>
+                            <a:srgbClr val="000000"/>
+                          </a:solidFill>
+                          <a:effectLst/>
+                          <a:latin typeface="Calibri"/>
+                        </a:rPr>
+                        <a:t>Started</a:t>
+                      </a:r>
+                    </a:p>
+                  </a:txBody>
+                  <a:tcPr marL="11176" marR="11176" marT="11176" marB="0" anchor="ctr">
+                    <a:lnL>
+                      <a:noFill/>
+                    </a:lnL>
+                    <a:lnR>
+                      <a:noFill/>
+                    </a:lnR>
+                    <a:lnT>
+                      <a:noFill/>
+                    </a:lnT>
+                    <a:lnB>
+                      <a:noFill/>
+                    </a:lnB>
+                    <a:solidFill>
+                      <a:srgbClr val="FFFFFF"/>
+                    </a:solidFill>
+                  </a:tcPr>
+                </a:tc>
+                <a:tc>
+                  <a:txBody>
+                    <a:bodyPr/>
+                    <a:lstStyle/>
+                    <a:p>
+                      <a:pPr algn="ctr" fontAlgn="ctr"/>
+                      <a:r>
+                        <a:rPr lang="fr-FR" sz="900" b="0" i="1" u="none" strike="noStrike">
+                          <a:solidFill>
+                            <a:srgbClr val="000000"/>
+                          </a:solidFill>
+                          <a:effectLst/>
+                          <a:latin typeface="Calibri"/>
+                        </a:rPr>
+                        <a:t>Uder</a:t>
+                      </a:r>
+                      <a:br>
+                        <a:rPr lang="fr-FR" sz="900" b="0" i="1" u="none" strike="noStrike">
+                          <a:solidFill>
+                            <a:srgbClr val="000000"/>
+                          </a:solidFill>
+                          <a:effectLst/>
+                          <a:latin typeface="Calibri"/>
+                        </a:rPr>
+                      </a:br>
+                      <a:r>
+                        <a:rPr lang="fr-FR" sz="900" b="0" i="1" u="none" strike="noStrike">
+                          <a:solidFill>
+                            <a:srgbClr val="000000"/>
+                          </a:solidFill>
+                          <a:effectLst/>
+                          <a:latin typeface="Calibri"/>
+                        </a:rPr>
+                        <a:t>Control</a:t>
+                      </a:r>
+                    </a:p>
+                  </a:txBody>
+                  <a:tcPr marL="11176" marR="11176" marT="11176" marB="0" anchor="ctr">
+                    <a:lnL>
+                      <a:noFill/>
+                    </a:lnL>
+                    <a:lnR>
+                      <a:noFill/>
+                    </a:lnR>
+                    <a:lnT>
+                      <a:noFill/>
+                    </a:lnT>
+                    <a:lnB>
+                      <a:noFill/>
+                    </a:lnB>
+                    <a:solidFill>
+                      <a:srgbClr val="FFFFFF"/>
+                    </a:solidFill>
+                  </a:tcPr>
+                </a:tc>
+                <a:tc>
+                  <a:txBody>
+                    <a:bodyPr/>
+                    <a:lstStyle/>
+                    <a:p>
+                      <a:pPr algn="ctr" fontAlgn="ctr"/>
+                      <a:r>
+                        <a:rPr lang="fr-FR" sz="900" b="0" i="1" u="none" strike="noStrike">
+                          <a:solidFill>
+                            <a:srgbClr val="000000"/>
+                          </a:solidFill>
+                          <a:effectLst/>
+                          <a:latin typeface="Calibri"/>
+                        </a:rPr>
+                        <a:t>Concluded</a:t>
+                      </a:r>
+                    </a:p>
+                  </a:txBody>
+                  <a:tcPr marL="11176" marR="11176" marT="11176" marB="0" anchor="ctr">
+                    <a:lnL>
+                      <a:noFill/>
+                    </a:lnL>
+                    <a:lnR>
+                      <a:noFill/>
+                    </a:lnR>
+                    <a:lnT>
+                      <a:noFill/>
+                    </a:lnT>
+                    <a:lnB>
+                      <a:noFill/>
+                    </a:lnB>
+                    <a:solidFill>
+                      <a:srgbClr val="FABF8F"/>
+                    </a:solidFill>
+                  </a:tcPr>
+                </a:tc>
+                <a:tc>
+                  <a:txBody>
+                    <a:bodyPr/>
+                    <a:lstStyle/>
+                    <a:p>
+                      <a:pPr algn="ctr" fontAlgn="ctr"/>
+                      <a:r>
+                        <a:rPr lang="fr-FR" sz="900" b="0" i="1" u="none" strike="noStrike">
+                          <a:solidFill>
+                            <a:srgbClr val="000000"/>
+                          </a:solidFill>
+                          <a:effectLst/>
+                          <a:latin typeface="Calibri"/>
+                        </a:rPr>
+                        <a:t>Closed</a:t>
+                      </a:r>
+                    </a:p>
+                  </a:txBody>
+                  <a:tcPr marL="11176" marR="11176" marT="11176" marB="0" anchor="ctr">
+                    <a:lnL>
+                      <a:noFill/>
+                    </a:lnL>
+                    <a:lnR w="6350" cap="flat" cmpd="sng" algn="ctr">
+                      <a:solidFill>
+                        <a:srgbClr val="BFBFBF"/>
+                      </a:solidFill>
+                      <a:prstDash val="solid"/>
+                      <a:round/>
+                      <a:headEnd type="none" w="med" len="med"/>
+                      <a:tailEnd type="none" w="med" len="med"/>
+                    </a:lnR>
+                    <a:lnT>
+                      <a:noFill/>
+                    </a:lnT>
+                    <a:lnB>
+                      <a:noFill/>
+                    </a:lnB>
+                    <a:solidFill>
+                      <a:srgbClr val="FFFFFF"/>
+                    </a:solidFill>
+                  </a:tcPr>
+                </a:tc>
+              </a:tr>
+              <a:tr h="417586">
+                <a:tc>
+                  <a:txBody>
+                    <a:bodyPr/>
+                    <a:lstStyle/>
+                    <a:p>
+                      <a:pPr algn="l" fontAlgn="ctr"/>
+                      <a:r>
+                        <a:rPr lang="fr-FR" sz="1200" b="1" i="0" u="none" strike="noStrike">
+                          <a:solidFill>
+                            <a:srgbClr val="000000"/>
+                          </a:solidFill>
+                          <a:effectLst/>
+                          <a:latin typeface="Calibri"/>
+                        </a:rPr>
+                        <a:t>WAY-OF-WORKING</a:t>
+                      </a:r>
+                    </a:p>
+                  </a:txBody>
+                  <a:tcPr marL="11176" marR="11176" marT="11176" marB="0" anchor="ctr">
+                    <a:lnL>
+                      <a:noFill/>
+                    </a:lnL>
+                    <a:lnR w="6350" cap="flat" cmpd="sng" algn="ctr">
+                      <a:solidFill>
+                        <a:srgbClr val="BFBFBF"/>
+                      </a:solidFill>
+                      <a:prstDash val="solid"/>
+                      <a:round/>
+                      <a:headEnd type="none" w="med" len="med"/>
+                      <a:tailEnd type="none" w="med" len="med"/>
+                    </a:lnR>
+                    <a:lnT>
+                      <a:noFill/>
+                    </a:lnT>
+                    <a:lnB>
+                      <a:noFill/>
+                    </a:lnB>
+                    <a:solidFill>
+                      <a:srgbClr val="B8CCE4"/>
+                    </a:solidFill>
+                  </a:tcPr>
+                </a:tc>
+                <a:tc>
+                  <a:txBody>
+                    <a:bodyPr/>
+                    <a:lstStyle/>
+                    <a:p>
+                      <a:pPr algn="ctr" fontAlgn="ctr"/>
+                      <a:r>
+                        <a:rPr lang="fr-FR" sz="900" b="0" i="1" u="none" strike="noStrike">
+                          <a:solidFill>
+                            <a:srgbClr val="000000"/>
+                          </a:solidFill>
+                          <a:effectLst/>
+                          <a:latin typeface="Calibri"/>
+                        </a:rPr>
+                        <a:t>Principles</a:t>
+                      </a:r>
+                      <a:br>
+                        <a:rPr lang="fr-FR" sz="900" b="0" i="1" u="none" strike="noStrike">
+                          <a:solidFill>
+                            <a:srgbClr val="000000"/>
+                          </a:solidFill>
+                          <a:effectLst/>
+                          <a:latin typeface="Calibri"/>
+                        </a:rPr>
+                      </a:br>
+                      <a:r>
+                        <a:rPr lang="fr-FR" sz="900" b="0" i="1" u="none" strike="noStrike">
+                          <a:solidFill>
+                            <a:srgbClr val="000000"/>
+                          </a:solidFill>
+                          <a:effectLst/>
+                          <a:latin typeface="Calibri"/>
+                        </a:rPr>
+                        <a:t>Established</a:t>
+                      </a:r>
+                    </a:p>
+                  </a:txBody>
+                  <a:tcPr marL="11176" marR="11176" marT="11176" marB="0" anchor="ctr">
+                    <a:lnL w="6350" cap="flat" cmpd="sng" algn="ctr">
+                      <a:solidFill>
+                        <a:srgbClr val="BFBFBF"/>
+                      </a:solidFill>
+                      <a:prstDash val="solid"/>
+                      <a:round/>
+                      <a:headEnd type="none" w="med" len="med"/>
+                      <a:tailEnd type="none" w="med" len="med"/>
+                    </a:lnL>
+                    <a:lnR>
+                      <a:noFill/>
+                    </a:lnR>
+                    <a:lnT>
+                      <a:noFill/>
+                    </a:lnT>
+                    <a:lnB w="6350" cap="flat" cmpd="sng" algn="ctr">
+                      <a:solidFill>
+                        <a:srgbClr val="BFBFBF"/>
+                      </a:solidFill>
+                      <a:prstDash val="solid"/>
+                      <a:round/>
+                      <a:headEnd type="none" w="med" len="med"/>
+                      <a:tailEnd type="none" w="med" len="med"/>
+                    </a:lnB>
+                    <a:solidFill>
+                      <a:srgbClr val="FCD5B4"/>
+                    </a:solidFill>
+                  </a:tcPr>
+                </a:tc>
+                <a:tc>
+                  <a:txBody>
+                    <a:bodyPr/>
+                    <a:lstStyle/>
+                    <a:p>
+                      <a:pPr algn="ctr" fontAlgn="ctr"/>
+                      <a:r>
+                        <a:rPr lang="fr-FR" sz="900" b="0" i="1" u="none" strike="noStrike">
+                          <a:solidFill>
+                            <a:srgbClr val="000000"/>
+                          </a:solidFill>
+                          <a:effectLst/>
+                          <a:latin typeface="Calibri"/>
+                        </a:rPr>
+                        <a:t>Foundation</a:t>
+                      </a:r>
+                      <a:br>
+                        <a:rPr lang="fr-FR" sz="900" b="0" i="1" u="none" strike="noStrike">
+                          <a:solidFill>
+                            <a:srgbClr val="000000"/>
+                          </a:solidFill>
+                          <a:effectLst/>
+                          <a:latin typeface="Calibri"/>
+                        </a:rPr>
+                      </a:br>
+                      <a:r>
+                        <a:rPr lang="fr-FR" sz="900" b="0" i="1" u="none" strike="noStrike">
+                          <a:solidFill>
+                            <a:srgbClr val="000000"/>
+                          </a:solidFill>
+                          <a:effectLst/>
+                          <a:latin typeface="Calibri"/>
+                        </a:rPr>
+                        <a:t>Established</a:t>
+                      </a:r>
+                    </a:p>
+                  </a:txBody>
+                  <a:tcPr marL="11176" marR="11176" marT="11176" marB="0" anchor="ctr">
+                    <a:lnL>
+                      <a:noFill/>
+                    </a:lnL>
+                    <a:lnR>
+                      <a:noFill/>
+                    </a:lnR>
+                    <a:lnT>
+                      <a:noFill/>
+                    </a:lnT>
+                    <a:lnB w="6350" cap="flat" cmpd="sng" algn="ctr">
+                      <a:solidFill>
+                        <a:srgbClr val="BFBFBF"/>
+                      </a:solidFill>
+                      <a:prstDash val="solid"/>
+                      <a:round/>
+                      <a:headEnd type="none" w="med" len="med"/>
+                      <a:tailEnd type="none" w="med" len="med"/>
+                    </a:lnB>
+                    <a:solidFill>
+                      <a:srgbClr val="FFFFFF"/>
+                    </a:solidFill>
+                  </a:tcPr>
+                </a:tc>
+                <a:tc>
+                  <a:txBody>
+                    <a:bodyPr/>
+                    <a:lstStyle/>
+                    <a:p>
+                      <a:pPr algn="ctr" fontAlgn="ctr"/>
+                      <a:r>
+                        <a:rPr lang="fr-FR" sz="900" b="0" i="1" u="none" strike="noStrike">
+                          <a:solidFill>
+                            <a:srgbClr val="000000"/>
+                          </a:solidFill>
+                          <a:effectLst/>
+                          <a:latin typeface="Calibri"/>
+                        </a:rPr>
+                        <a:t>In Use</a:t>
+                      </a:r>
+                    </a:p>
+                  </a:txBody>
+                  <a:tcPr marL="11176" marR="11176" marT="11176" marB="0" anchor="ctr">
+                    <a:lnL>
+                      <a:noFill/>
+                    </a:lnL>
+                    <a:lnR>
+                      <a:noFill/>
+                    </a:lnR>
+                    <a:lnT>
+                      <a:noFill/>
+                    </a:lnT>
+                    <a:lnB w="6350" cap="flat" cmpd="sng" algn="ctr">
+                      <a:solidFill>
+                        <a:srgbClr val="BFBFBF"/>
+                      </a:solidFill>
+                      <a:prstDash val="solid"/>
+                      <a:round/>
+                      <a:headEnd type="none" w="med" len="med"/>
+                      <a:tailEnd type="none" w="med" len="med"/>
+                    </a:lnB>
+                    <a:solidFill>
+                      <a:srgbClr val="FFFFFF"/>
+                    </a:solidFill>
+                  </a:tcPr>
+                </a:tc>
+                <a:tc>
+                  <a:txBody>
+                    <a:bodyPr/>
+                    <a:lstStyle/>
+                    <a:p>
+                      <a:pPr algn="ctr" fontAlgn="ctr"/>
+                      <a:r>
+                        <a:rPr lang="fr-FR" sz="900" b="0" i="1" u="none" strike="noStrike">
+                          <a:solidFill>
+                            <a:srgbClr val="000000"/>
+                          </a:solidFill>
+                          <a:effectLst/>
+                          <a:latin typeface="Calibri"/>
+                        </a:rPr>
+                        <a:t>In Place</a:t>
+                      </a:r>
+                    </a:p>
+                  </a:txBody>
+                  <a:tcPr marL="11176" marR="11176" marT="11176" marB="0" anchor="ctr">
+                    <a:lnL>
+                      <a:noFill/>
+                    </a:lnL>
+                    <a:lnR>
+                      <a:noFill/>
+                    </a:lnR>
+                    <a:lnT>
+                      <a:noFill/>
+                    </a:lnT>
+                    <a:lnB w="6350" cap="flat" cmpd="sng" algn="ctr">
+                      <a:solidFill>
+                        <a:srgbClr val="BFBFBF"/>
+                      </a:solidFill>
+                      <a:prstDash val="solid"/>
+                      <a:round/>
+                      <a:headEnd type="none" w="med" len="med"/>
+                      <a:tailEnd type="none" w="med" len="med"/>
+                    </a:lnB>
+                    <a:solidFill>
+                      <a:srgbClr val="FFFFFF"/>
+                    </a:solidFill>
+                  </a:tcPr>
+                </a:tc>
+                <a:tc>
+                  <a:txBody>
+                    <a:bodyPr/>
+                    <a:lstStyle/>
+                    <a:p>
+                      <a:pPr algn="ctr" fontAlgn="ctr"/>
+                      <a:r>
+                        <a:rPr lang="fr-FR" sz="900" b="0" i="1" u="none" strike="noStrike">
+                          <a:solidFill>
+                            <a:srgbClr val="000000"/>
+                          </a:solidFill>
+                          <a:effectLst/>
+                          <a:latin typeface="Calibri"/>
+                        </a:rPr>
+                        <a:t>Working</a:t>
+                      </a:r>
+                      <a:br>
+                        <a:rPr lang="fr-FR" sz="900" b="0" i="1" u="none" strike="noStrike">
+                          <a:solidFill>
+                            <a:srgbClr val="000000"/>
+                          </a:solidFill>
+                          <a:effectLst/>
+                          <a:latin typeface="Calibri"/>
+                        </a:rPr>
+                      </a:br>
+                      <a:r>
+                        <a:rPr lang="fr-FR" sz="900" b="0" i="1" u="none" strike="noStrike">
+                          <a:solidFill>
+                            <a:srgbClr val="000000"/>
+                          </a:solidFill>
+                          <a:effectLst/>
+                          <a:latin typeface="Calibri"/>
+                        </a:rPr>
+                        <a:t>Well</a:t>
+                      </a:r>
+                    </a:p>
+                  </a:txBody>
+                  <a:tcPr marL="11176" marR="11176" marT="11176" marB="0" anchor="ctr">
+                    <a:lnL>
+                      <a:noFill/>
+                    </a:lnL>
+                    <a:lnR>
+                      <a:noFill/>
+                    </a:lnR>
+                    <a:lnT>
+                      <a:noFill/>
+                    </a:lnT>
+                    <a:lnB w="6350" cap="flat" cmpd="sng" algn="ctr">
+                      <a:solidFill>
+                        <a:srgbClr val="BFBFBF"/>
+                      </a:solidFill>
+                      <a:prstDash val="solid"/>
+                      <a:round/>
+                      <a:headEnd type="none" w="med" len="med"/>
+                      <a:tailEnd type="none" w="med" len="med"/>
+                    </a:lnB>
+                    <a:solidFill>
+                      <a:srgbClr val="FFFFFF"/>
+                    </a:solidFill>
+                  </a:tcPr>
+                </a:tc>
+                <a:tc>
+                  <a:txBody>
+                    <a:bodyPr/>
+                    <a:lstStyle/>
+                    <a:p>
+                      <a:pPr algn="ctr" fontAlgn="ctr"/>
+                      <a:r>
+                        <a:rPr lang="fr-FR" sz="900" b="0" i="1" u="none" strike="noStrike" dirty="0" err="1">
+                          <a:solidFill>
+                            <a:srgbClr val="000000"/>
+                          </a:solidFill>
+                          <a:effectLst/>
+                          <a:latin typeface="Calibri"/>
+                        </a:rPr>
+                        <a:t>Retired</a:t>
+                      </a:r>
+                      <a:endParaRPr lang="fr-FR" sz="900" b="0" i="1" u="none" strike="noStrike" dirty="0">
+                        <a:solidFill>
+                          <a:srgbClr val="000000"/>
+                        </a:solidFill>
+                        <a:effectLst/>
+                        <a:latin typeface="Calibri"/>
+                      </a:endParaRPr>
+                    </a:p>
+                  </a:txBody>
+                  <a:tcPr marL="11176" marR="11176" marT="11176" marB="0" anchor="ctr">
+                    <a:lnL>
+                      <a:noFill/>
+                    </a:lnL>
+                    <a:lnR w="6350" cap="flat" cmpd="sng" algn="ctr">
+                      <a:solidFill>
+                        <a:srgbClr val="BFBFBF"/>
+                      </a:solidFill>
+                      <a:prstDash val="solid"/>
+                      <a:round/>
+                      <a:headEnd type="none" w="med" len="med"/>
+                      <a:tailEnd type="none" w="med" len="med"/>
+                    </a:lnR>
+                    <a:lnT>
+                      <a:noFill/>
+                    </a:lnT>
+                    <a:lnB w="6350" cap="flat" cmpd="sng" algn="ctr">
+                      <a:solidFill>
+                        <a:srgbClr val="BFBFBF"/>
+                      </a:solidFill>
+                      <a:prstDash val="solid"/>
+                      <a:round/>
+                      <a:headEnd type="none" w="med" len="med"/>
+                      <a:tailEnd type="none" w="med" len="med"/>
+                    </a:lnB>
+                    <a:solidFill>
+                      <a:srgbClr val="FABF8F"/>
+                    </a:solidFill>
+                  </a:tcPr>
+                </a:tc>
+              </a:tr>
+            </a:tbl>
+          </a:graphicData>
+        </a:graphic>
+      </p:graphicFrame>
+      <p:sp>
+        <p:nvSpPr>
+          <p:cNvPr id="6" name="ZoneTexte 5"/>
+          <p:cNvSpPr txBox="1"/>
+          <p:nvPr/>
+        </p:nvSpPr>
+        <p:spPr>
+          <a:xfrm>
+            <a:off x="3059832" y="692696"/>
+            <a:ext cx="4464496" cy="523220"/>
+          </a:xfrm>
+          <a:prstGeom prst="rect">
+            <a:avLst/>
+          </a:prstGeom>
+          <a:noFill/>
+        </p:spPr>
+        <p:txBody>
+          <a:bodyPr wrap="square" rtlCol="0">
+            <a:spAutoFit/>
+          </a:bodyPr>
+          <a:lstStyle/>
+          <a:p>
+            <a:pPr algn="ctr"/>
+            <a:r>
+              <a:rPr lang="fr-FR" sz="2800" dirty="0" smtClean="0"/>
+              <a:t>SEMAT du 17/07/2014</a:t>
+            </a:r>
+            <a:endParaRPr lang="fr-FR" sz="2800" dirty="0"/>
+          </a:p>
+        </p:txBody>
+      </p:sp>
+    </p:spTree>
+    <p:extLst>
+      <p:ext uri="{BB962C8B-B14F-4D97-AF65-F5344CB8AC3E}">
+        <p14:creationId xmlns:p14="http://schemas.microsoft.com/office/powerpoint/2010/main" val="2029147393"/>
+      </p:ext>
+    </p:extLst>
+  </p:cSld>
+  <p:clrMapOvr>
+    <a:masterClrMapping/>
+  </p:clrMapOvr>
+</p:sld>
+</file>
+
+<file path=ppt/slides/slide5.xml><?xml version="1.0" encoding="utf-8"?>
+<p:sld xmlns:a="http://schemas.openxmlformats.org/drawingml/2006/main" xmlns:r="http://schemas.openxmlformats.org/officeDocument/2006/relationships" xmlns:p="http://schemas.openxmlformats.org/presentationml/2006/main">
+  <p:cSld>
+    <p:spTree>
+      <p:nvGrpSpPr>
+        <p:cNvPr id="1" name=""/>
+        <p:cNvGrpSpPr/>
+        <p:nvPr/>
+      </p:nvGrpSpPr>
+      <p:grpSpPr>
+        <a:xfrm>
+          <a:off x="0" y="0"/>
+          <a:ext cx="0" cy="0"/>
+          <a:chOff x="0" y="0"/>
+          <a:chExt cx="0" cy="0"/>
+        </a:xfrm>
+      </p:grpSpPr>
       <p:sp>
         <p:nvSpPr>
           <p:cNvPr id="2" name="Titre 1"/>
@@ -4635,7 +6931,7 @@
   <p:timing>
     <p:tnLst>
       <p:par>
-        <p:cTn id="1" dur="indefinite" restart="never" nodeType="tmRoot"/>
+        <p:cTn xmlns:p14="http://schemas.microsoft.com/office/powerpoint/2010/main" id="1" dur="indefinite" restart="never" nodeType="tmRoot"/>
       </p:par>
     </p:tnLst>
   </p:timing>

--- a/Cucumber.pptx
+++ b/Cucumber.pptx
@@ -4,6 +4,9 @@
   <p:sldMasterIdLst>
     <p:sldMasterId id="2147483660" r:id="rId1"/>
   </p:sldMasterIdLst>
+  <p:notesMasterIdLst>
+    <p:notesMasterId r:id="rId7"/>
+  </p:notesMasterIdLst>
   <p:sldIdLst>
     <p:sldId id="256" r:id="rId2"/>
     <p:sldId id="257" r:id="rId3"/>
@@ -109,6 +112,858 @@
     </a:lvl9pPr>
   </p:defaultTextStyle>
 </p:presentation>
+</file>
+
+<file path=ppt/notesMasters/notesMaster1.xml><?xml version="1.0" encoding="utf-8"?>
+<p:notesMaster xmlns:a="http://schemas.openxmlformats.org/drawingml/2006/main" xmlns:r="http://schemas.openxmlformats.org/officeDocument/2006/relationships" xmlns:p="http://schemas.openxmlformats.org/presentationml/2006/main">
+  <p:cSld>
+    <p:bg>
+      <p:bgRef idx="1001">
+        <a:schemeClr val="bg1"/>
+      </p:bgRef>
+    </p:bg>
+    <p:spTree>
+      <p:nvGrpSpPr>
+        <p:cNvPr id="1" name=""/>
+        <p:cNvGrpSpPr/>
+        <p:nvPr/>
+      </p:nvGrpSpPr>
+      <p:grpSpPr>
+        <a:xfrm>
+          <a:off x="0" y="0"/>
+          <a:ext cx="0" cy="0"/>
+          <a:chOff x="0" y="0"/>
+          <a:chExt cx="0" cy="0"/>
+        </a:xfrm>
+      </p:grpSpPr>
+      <p:sp>
+        <p:nvSpPr>
+          <p:cNvPr id="2" name="Espace réservé de l'en-tête 1"/>
+          <p:cNvSpPr>
+            <a:spLocks noGrp="1"/>
+          </p:cNvSpPr>
+          <p:nvPr>
+            <p:ph type="hdr" sz="quarter"/>
+          </p:nvPr>
+        </p:nvSpPr>
+        <p:spPr>
+          <a:xfrm>
+            <a:off x="0" y="0"/>
+            <a:ext cx="2971800" cy="457200"/>
+          </a:xfrm>
+          <a:prstGeom prst="rect">
+            <a:avLst/>
+          </a:prstGeom>
+        </p:spPr>
+        <p:txBody>
+          <a:bodyPr vert="horz" lIns="91440" tIns="45720" rIns="91440" bIns="45720" rtlCol="0"/>
+          <a:lstStyle>
+            <a:lvl1pPr algn="l">
+              <a:defRPr sz="1200"/>
+            </a:lvl1pPr>
+          </a:lstStyle>
+          <a:p>
+            <a:endParaRPr lang="fr-FR"/>
+          </a:p>
+        </p:txBody>
+      </p:sp>
+      <p:sp>
+        <p:nvSpPr>
+          <p:cNvPr id="3" name="Espace réservé de la date 2"/>
+          <p:cNvSpPr>
+            <a:spLocks noGrp="1"/>
+          </p:cNvSpPr>
+          <p:nvPr>
+            <p:ph type="dt" idx="1"/>
+          </p:nvPr>
+        </p:nvSpPr>
+        <p:spPr>
+          <a:xfrm>
+            <a:off x="3884613" y="0"/>
+            <a:ext cx="2971800" cy="457200"/>
+          </a:xfrm>
+          <a:prstGeom prst="rect">
+            <a:avLst/>
+          </a:prstGeom>
+        </p:spPr>
+        <p:txBody>
+          <a:bodyPr vert="horz" lIns="91440" tIns="45720" rIns="91440" bIns="45720" rtlCol="0"/>
+          <a:lstStyle>
+            <a:lvl1pPr algn="r">
+              <a:defRPr sz="1200"/>
+            </a:lvl1pPr>
+          </a:lstStyle>
+          <a:p>
+            <a:fld id="{0D149407-ABBD-E246-81C7-3D30AA8F67A1}" type="datetimeFigureOut">
+              <a:rPr lang="fr-FR" smtClean="0"/>
+              <a:t>17/07/2014</a:t>
+            </a:fld>
+            <a:endParaRPr lang="fr-FR"/>
+          </a:p>
+        </p:txBody>
+      </p:sp>
+      <p:sp>
+        <p:nvSpPr>
+          <p:cNvPr id="4" name="Espace réservé de l'image des diapositives 3"/>
+          <p:cNvSpPr>
+            <a:spLocks noGrp="1" noRot="1" noChangeAspect="1"/>
+          </p:cNvSpPr>
+          <p:nvPr>
+            <p:ph type="sldImg" idx="2"/>
+          </p:nvPr>
+        </p:nvSpPr>
+        <p:spPr>
+          <a:xfrm>
+            <a:off x="1143000" y="685800"/>
+            <a:ext cx="4572000" cy="3429000"/>
+          </a:xfrm>
+          <a:prstGeom prst="rect">
+            <a:avLst/>
+          </a:prstGeom>
+          <a:noFill/>
+          <a:ln w="12700">
+            <a:solidFill>
+              <a:prstClr val="black"/>
+            </a:solidFill>
+          </a:ln>
+        </p:spPr>
+        <p:txBody>
+          <a:bodyPr vert="horz" lIns="91440" tIns="45720" rIns="91440" bIns="45720" rtlCol="0" anchor="ctr"/>
+          <a:lstStyle/>
+          <a:p>
+            <a:endParaRPr lang="fr-FR"/>
+          </a:p>
+        </p:txBody>
+      </p:sp>
+      <p:sp>
+        <p:nvSpPr>
+          <p:cNvPr id="5" name="Espace réservé des commentaires 4"/>
+          <p:cNvSpPr>
+            <a:spLocks noGrp="1"/>
+          </p:cNvSpPr>
+          <p:nvPr>
+            <p:ph type="body" sz="quarter" idx="3"/>
+          </p:nvPr>
+        </p:nvSpPr>
+        <p:spPr>
+          <a:xfrm>
+            <a:off x="685800" y="4343400"/>
+            <a:ext cx="5486400" cy="4114800"/>
+          </a:xfrm>
+          <a:prstGeom prst="rect">
+            <a:avLst/>
+          </a:prstGeom>
+        </p:spPr>
+        <p:txBody>
+          <a:bodyPr vert="horz" lIns="91440" tIns="45720" rIns="91440" bIns="45720" rtlCol="0"/>
+          <a:lstStyle/>
+          <a:p>
+            <a:pPr lvl="0"/>
+            <a:r>
+              <a:rPr lang="fr-FR" smtClean="0"/>
+              <a:t>Cliquez pour modifier les styles du texte du masque</a:t>
+            </a:r>
+          </a:p>
+          <a:p>
+            <a:pPr lvl="1"/>
+            <a:r>
+              <a:rPr lang="fr-FR" smtClean="0"/>
+              <a:t>Deuxième niveau</a:t>
+            </a:r>
+          </a:p>
+          <a:p>
+            <a:pPr lvl="2"/>
+            <a:r>
+              <a:rPr lang="fr-FR" smtClean="0"/>
+              <a:t>Troisième niveau</a:t>
+            </a:r>
+          </a:p>
+          <a:p>
+            <a:pPr lvl="3"/>
+            <a:r>
+              <a:rPr lang="fr-FR" smtClean="0"/>
+              <a:t>Quatrième niveau</a:t>
+            </a:r>
+          </a:p>
+          <a:p>
+            <a:pPr lvl="4"/>
+            <a:r>
+              <a:rPr lang="fr-FR" smtClean="0"/>
+              <a:t>Cinquième niveau</a:t>
+            </a:r>
+            <a:endParaRPr lang="fr-FR"/>
+          </a:p>
+        </p:txBody>
+      </p:sp>
+      <p:sp>
+        <p:nvSpPr>
+          <p:cNvPr id="6" name="Espace réservé du pied de page 5"/>
+          <p:cNvSpPr>
+            <a:spLocks noGrp="1"/>
+          </p:cNvSpPr>
+          <p:nvPr>
+            <p:ph type="ftr" sz="quarter" idx="4"/>
+          </p:nvPr>
+        </p:nvSpPr>
+        <p:spPr>
+          <a:xfrm>
+            <a:off x="0" y="8685213"/>
+            <a:ext cx="2971800" cy="457200"/>
+          </a:xfrm>
+          <a:prstGeom prst="rect">
+            <a:avLst/>
+          </a:prstGeom>
+        </p:spPr>
+        <p:txBody>
+          <a:bodyPr vert="horz" lIns="91440" tIns="45720" rIns="91440" bIns="45720" rtlCol="0" anchor="b"/>
+          <a:lstStyle>
+            <a:lvl1pPr algn="l">
+              <a:defRPr sz="1200"/>
+            </a:lvl1pPr>
+          </a:lstStyle>
+          <a:p>
+            <a:endParaRPr lang="fr-FR"/>
+          </a:p>
+        </p:txBody>
+      </p:sp>
+      <p:sp>
+        <p:nvSpPr>
+          <p:cNvPr id="7" name="Espace réservé du numéro de diapositive 6"/>
+          <p:cNvSpPr>
+            <a:spLocks noGrp="1"/>
+          </p:cNvSpPr>
+          <p:nvPr>
+            <p:ph type="sldNum" sz="quarter" idx="5"/>
+          </p:nvPr>
+        </p:nvSpPr>
+        <p:spPr>
+          <a:xfrm>
+            <a:off x="3884613" y="8685213"/>
+            <a:ext cx="2971800" cy="457200"/>
+          </a:xfrm>
+          <a:prstGeom prst="rect">
+            <a:avLst/>
+          </a:prstGeom>
+        </p:spPr>
+        <p:txBody>
+          <a:bodyPr vert="horz" lIns="91440" tIns="45720" rIns="91440" bIns="45720" rtlCol="0" anchor="b"/>
+          <a:lstStyle>
+            <a:lvl1pPr algn="r">
+              <a:defRPr sz="1200"/>
+            </a:lvl1pPr>
+          </a:lstStyle>
+          <a:p>
+            <a:fld id="{0D546221-060C-EE45-84DF-93487E032E21}" type="slidenum">
+              <a:rPr lang="fr-FR" smtClean="0"/>
+              <a:t>‹#›</a:t>
+            </a:fld>
+            <a:endParaRPr lang="fr-FR"/>
+          </a:p>
+        </p:txBody>
+      </p:sp>
+    </p:spTree>
+    <p:extLst>
+      <p:ext uri="{BB962C8B-B14F-4D97-AF65-F5344CB8AC3E}">
+        <p14:creationId xmlns:p14="http://schemas.microsoft.com/office/powerpoint/2010/main" val="2478570603"/>
+      </p:ext>
+    </p:extLst>
+  </p:cSld>
+  <p:clrMap bg1="lt1" tx1="dk1" bg2="lt2" tx2="dk2" accent1="accent1" accent2="accent2" accent3="accent3" accent4="accent4" accent5="accent5" accent6="accent6" hlink="hlink" folHlink="folHlink"/>
+  <p:notesStyle>
+    <a:lvl1pPr marL="0" algn="l" defTabSz="457200" rtl="0" eaLnBrk="1" latinLnBrk="0" hangingPunct="1">
+      <a:defRPr sz="1200" kern="1200">
+        <a:solidFill>
+          <a:schemeClr val="tx1"/>
+        </a:solidFill>
+        <a:latin typeface="+mn-lt"/>
+        <a:ea typeface="+mn-ea"/>
+        <a:cs typeface="+mn-cs"/>
+      </a:defRPr>
+    </a:lvl1pPr>
+    <a:lvl2pPr marL="457200" algn="l" defTabSz="457200" rtl="0" eaLnBrk="1" latinLnBrk="0" hangingPunct="1">
+      <a:defRPr sz="1200" kern="1200">
+        <a:solidFill>
+          <a:schemeClr val="tx1"/>
+        </a:solidFill>
+        <a:latin typeface="+mn-lt"/>
+        <a:ea typeface="+mn-ea"/>
+        <a:cs typeface="+mn-cs"/>
+      </a:defRPr>
+    </a:lvl2pPr>
+    <a:lvl3pPr marL="914400" algn="l" defTabSz="457200" rtl="0" eaLnBrk="1" latinLnBrk="0" hangingPunct="1">
+      <a:defRPr sz="1200" kern="1200">
+        <a:solidFill>
+          <a:schemeClr val="tx1"/>
+        </a:solidFill>
+        <a:latin typeface="+mn-lt"/>
+        <a:ea typeface="+mn-ea"/>
+        <a:cs typeface="+mn-cs"/>
+      </a:defRPr>
+    </a:lvl3pPr>
+    <a:lvl4pPr marL="1371600" algn="l" defTabSz="457200" rtl="0" eaLnBrk="1" latinLnBrk="0" hangingPunct="1">
+      <a:defRPr sz="1200" kern="1200">
+        <a:solidFill>
+          <a:schemeClr val="tx1"/>
+        </a:solidFill>
+        <a:latin typeface="+mn-lt"/>
+        <a:ea typeface="+mn-ea"/>
+        <a:cs typeface="+mn-cs"/>
+      </a:defRPr>
+    </a:lvl4pPr>
+    <a:lvl5pPr marL="1828800" algn="l" defTabSz="457200" rtl="0" eaLnBrk="1" latinLnBrk="0" hangingPunct="1">
+      <a:defRPr sz="1200" kern="1200">
+        <a:solidFill>
+          <a:schemeClr val="tx1"/>
+        </a:solidFill>
+        <a:latin typeface="+mn-lt"/>
+        <a:ea typeface="+mn-ea"/>
+        <a:cs typeface="+mn-cs"/>
+      </a:defRPr>
+    </a:lvl5pPr>
+    <a:lvl6pPr marL="2286000" algn="l" defTabSz="457200" rtl="0" eaLnBrk="1" latinLnBrk="0" hangingPunct="1">
+      <a:defRPr sz="1200" kern="1200">
+        <a:solidFill>
+          <a:schemeClr val="tx1"/>
+        </a:solidFill>
+        <a:latin typeface="+mn-lt"/>
+        <a:ea typeface="+mn-ea"/>
+        <a:cs typeface="+mn-cs"/>
+      </a:defRPr>
+    </a:lvl6pPr>
+    <a:lvl7pPr marL="2743200" algn="l" defTabSz="457200" rtl="0" eaLnBrk="1" latinLnBrk="0" hangingPunct="1">
+      <a:defRPr sz="1200" kern="1200">
+        <a:solidFill>
+          <a:schemeClr val="tx1"/>
+        </a:solidFill>
+        <a:latin typeface="+mn-lt"/>
+        <a:ea typeface="+mn-ea"/>
+        <a:cs typeface="+mn-cs"/>
+      </a:defRPr>
+    </a:lvl7pPr>
+    <a:lvl8pPr marL="3200400" algn="l" defTabSz="457200" rtl="0" eaLnBrk="1" latinLnBrk="0" hangingPunct="1">
+      <a:defRPr sz="1200" kern="1200">
+        <a:solidFill>
+          <a:schemeClr val="tx1"/>
+        </a:solidFill>
+        <a:latin typeface="+mn-lt"/>
+        <a:ea typeface="+mn-ea"/>
+        <a:cs typeface="+mn-cs"/>
+      </a:defRPr>
+    </a:lvl8pPr>
+    <a:lvl9pPr marL="3657600" algn="l" defTabSz="457200" rtl="0" eaLnBrk="1" latinLnBrk="0" hangingPunct="1">
+      <a:defRPr sz="1200" kern="1200">
+        <a:solidFill>
+          <a:schemeClr val="tx1"/>
+        </a:solidFill>
+        <a:latin typeface="+mn-lt"/>
+        <a:ea typeface="+mn-ea"/>
+        <a:cs typeface="+mn-cs"/>
+      </a:defRPr>
+    </a:lvl9pPr>
+  </p:notesStyle>
+</p:notesMaster>
+</file>
+
+<file path=ppt/notesSlides/notesSlide1.xml><?xml version="1.0" encoding="utf-8"?>
+<p:notes xmlns:a="http://schemas.openxmlformats.org/drawingml/2006/main" xmlns:r="http://schemas.openxmlformats.org/officeDocument/2006/relationships" xmlns:p="http://schemas.openxmlformats.org/presentationml/2006/main">
+  <p:cSld>
+    <p:spTree>
+      <p:nvGrpSpPr>
+        <p:cNvPr id="1" name=""/>
+        <p:cNvGrpSpPr/>
+        <p:nvPr/>
+      </p:nvGrpSpPr>
+      <p:grpSpPr>
+        <a:xfrm>
+          <a:off x="0" y="0"/>
+          <a:ext cx="0" cy="0"/>
+          <a:chOff x="0" y="0"/>
+          <a:chExt cx="0" cy="0"/>
+        </a:xfrm>
+      </p:grpSpPr>
+      <p:sp>
+        <p:nvSpPr>
+          <p:cNvPr id="2" name="Espace réservé de l'image des diapositives 1"/>
+          <p:cNvSpPr>
+            <a:spLocks noGrp="1" noRot="1" noChangeAspect="1"/>
+          </p:cNvSpPr>
+          <p:nvPr>
+            <p:ph type="sldImg"/>
+          </p:nvPr>
+        </p:nvSpPr>
+        <p:spPr/>
+      </p:sp>
+      <p:sp>
+        <p:nvSpPr>
+          <p:cNvPr id="3" name="Espace réservé des commentaires 2"/>
+          <p:cNvSpPr>
+            <a:spLocks noGrp="1"/>
+          </p:cNvSpPr>
+          <p:nvPr>
+            <p:ph type="body" idx="1"/>
+          </p:nvPr>
+        </p:nvSpPr>
+        <p:spPr/>
+        <p:txBody>
+          <a:bodyPr/>
+          <a:lstStyle/>
+          <a:p>
+            <a:r>
+              <a:rPr lang="fr-FR" dirty="0" err="1" smtClean="0"/>
+              <a:t>Gherkin</a:t>
+            </a:r>
+            <a:r>
+              <a:rPr lang="fr-FR" dirty="0" smtClean="0"/>
+              <a:t> </a:t>
+            </a:r>
+          </a:p>
+          <a:p>
+            <a:r>
+              <a:rPr lang="fr-FR" dirty="0" smtClean="0"/>
+              <a:t>Fichier </a:t>
+            </a:r>
+            <a:r>
+              <a:rPr lang="fr-FR" dirty="0" err="1" smtClean="0"/>
+              <a:t>Feature</a:t>
+            </a:r>
+            <a:r>
+              <a:rPr lang="fr-FR" dirty="0" smtClean="0"/>
+              <a:t> pour</a:t>
+            </a:r>
+            <a:r>
+              <a:rPr lang="fr-FR" baseline="0" dirty="0" smtClean="0"/>
+              <a:t> donner des fichiers </a:t>
+            </a:r>
+            <a:r>
+              <a:rPr lang="fr-FR" baseline="0" dirty="0" err="1" smtClean="0"/>
+              <a:t>step_definiton</a:t>
+            </a:r>
+            <a:r>
+              <a:rPr lang="fr-FR" baseline="0" dirty="0" smtClean="0"/>
+              <a:t> qui </a:t>
+            </a:r>
+            <a:r>
+              <a:rPr lang="fr-FR" baseline="0" dirty="0" err="1" smtClean="0"/>
+              <a:t>serront</a:t>
+            </a:r>
+            <a:r>
+              <a:rPr lang="fr-FR" baseline="0" dirty="0" smtClean="0"/>
+              <a:t> les véritable fichier tests</a:t>
+            </a:r>
+            <a:endParaRPr lang="fr-FR" dirty="0" smtClean="0"/>
+          </a:p>
+          <a:p>
+            <a:endParaRPr lang="fr-FR" dirty="0" smtClean="0"/>
+          </a:p>
+          <a:p>
+            <a:r>
+              <a:rPr lang="fr-FR" dirty="0" smtClean="0"/>
+              <a:t>Scenario: retrait réussi d'un compte dans le crédit </a:t>
+            </a:r>
+          </a:p>
+          <a:p>
+            <a:r>
+              <a:rPr lang="fr-FR" dirty="0" smtClean="0"/>
+              <a:t>	</a:t>
+            </a:r>
+            <a:r>
+              <a:rPr lang="fr-FR" dirty="0" err="1" smtClean="0"/>
+              <a:t>Given</a:t>
+            </a:r>
+            <a:r>
+              <a:rPr lang="fr-FR" dirty="0" smtClean="0"/>
+              <a:t> que j'ai 100 $ de mon compte # le contexte </a:t>
+            </a:r>
+          </a:p>
+          <a:p>
+            <a:r>
+              <a:rPr lang="fr-FR" dirty="0" smtClean="0"/>
+              <a:t>	</a:t>
+            </a:r>
+            <a:r>
+              <a:rPr lang="fr-FR" dirty="0" err="1" smtClean="0"/>
+              <a:t>When</a:t>
+            </a:r>
+            <a:r>
+              <a:rPr lang="fr-FR" dirty="0" smtClean="0"/>
+              <a:t> je demande $ 20 # l'événement (s) </a:t>
+            </a:r>
+          </a:p>
+          <a:p>
+            <a:r>
+              <a:rPr lang="fr-FR" dirty="0" smtClean="0"/>
+              <a:t>	</a:t>
+            </a:r>
+            <a:r>
+              <a:rPr lang="fr-FR" dirty="0" err="1" smtClean="0"/>
+              <a:t>Then</a:t>
+            </a:r>
+            <a:r>
+              <a:rPr lang="fr-FR" dirty="0" smtClean="0"/>
+              <a:t> $ 20 devraient être distribuer # résultat </a:t>
+            </a:r>
+          </a:p>
+          <a:p>
+            <a:pPr lvl="1"/>
+            <a:endParaRPr lang="fr-FR" dirty="0" smtClean="0"/>
+          </a:p>
+          <a:p>
+            <a:pPr lvl="1"/>
+            <a:r>
+              <a:rPr lang="fr-FR" dirty="0" err="1" smtClean="0"/>
+              <a:t>Given</a:t>
+            </a:r>
+            <a:r>
+              <a:rPr lang="fr-FR" dirty="0" smtClean="0"/>
+              <a:t>(/^I have </a:t>
+            </a:r>
+            <a:r>
+              <a:rPr lang="fr-FR" dirty="0" err="1" smtClean="0"/>
+              <a:t>deposited</a:t>
+            </a:r>
+            <a:r>
+              <a:rPr lang="fr-FR" dirty="0" smtClean="0"/>
+              <a:t> \$(\d+) in an </a:t>
+            </a:r>
+            <a:r>
+              <a:rPr lang="fr-FR" dirty="0" err="1" smtClean="0"/>
+              <a:t>account</a:t>
+            </a:r>
+            <a:r>
+              <a:rPr lang="fr-FR" dirty="0" smtClean="0"/>
+              <a:t>$/) do |arg1| </a:t>
+            </a:r>
+          </a:p>
+          <a:p>
+            <a:pPr lvl="1"/>
+            <a:r>
+              <a:rPr lang="fr-FR" dirty="0" smtClean="0"/>
+              <a:t>	</a:t>
+            </a:r>
+            <a:r>
+              <a:rPr lang="fr-FR" dirty="0" err="1" smtClean="0"/>
+              <a:t>pending</a:t>
+            </a:r>
+            <a:r>
+              <a:rPr lang="fr-FR" dirty="0" smtClean="0"/>
+              <a:t> # express the </a:t>
+            </a:r>
+            <a:r>
+              <a:rPr lang="fr-FR" dirty="0" err="1" smtClean="0"/>
+              <a:t>regexp</a:t>
+            </a:r>
+            <a:r>
+              <a:rPr lang="fr-FR" dirty="0" smtClean="0"/>
+              <a:t> </a:t>
+            </a:r>
+            <a:r>
+              <a:rPr lang="fr-FR" dirty="0" err="1" smtClean="0"/>
+              <a:t>above</a:t>
+            </a:r>
+            <a:r>
+              <a:rPr lang="fr-FR" dirty="0" smtClean="0"/>
+              <a:t> </a:t>
+            </a:r>
+            <a:r>
+              <a:rPr lang="fr-FR" dirty="0" err="1" smtClean="0"/>
+              <a:t>with</a:t>
+            </a:r>
+            <a:r>
+              <a:rPr lang="fr-FR" dirty="0" smtClean="0"/>
+              <a:t> the code </a:t>
+            </a:r>
+            <a:r>
+              <a:rPr lang="fr-FR" dirty="0" err="1" smtClean="0"/>
+              <a:t>you</a:t>
+            </a:r>
+            <a:r>
+              <a:rPr lang="fr-FR" dirty="0" smtClean="0"/>
+              <a:t> </a:t>
+            </a:r>
+            <a:r>
+              <a:rPr lang="fr-FR" dirty="0" err="1" smtClean="0"/>
+              <a:t>wish</a:t>
+            </a:r>
+            <a:r>
+              <a:rPr lang="fr-FR" dirty="0" smtClean="0"/>
+              <a:t> </a:t>
+            </a:r>
+            <a:r>
+              <a:rPr lang="fr-FR" dirty="0" err="1" smtClean="0"/>
+              <a:t>you</a:t>
+            </a:r>
+            <a:r>
+              <a:rPr lang="fr-FR" dirty="0" smtClean="0"/>
+              <a:t> </a:t>
+            </a:r>
+            <a:r>
+              <a:rPr lang="fr-FR" dirty="0" err="1" smtClean="0"/>
+              <a:t>had</a:t>
+            </a:r>
+            <a:r>
+              <a:rPr lang="fr-FR" dirty="0" smtClean="0"/>
+              <a:t> </a:t>
+            </a:r>
+          </a:p>
+          <a:p>
+            <a:pPr lvl="1"/>
+            <a:r>
+              <a:rPr lang="fr-FR" dirty="0" smtClean="0"/>
+              <a:t>end</a:t>
+            </a:r>
+          </a:p>
+          <a:p>
+            <a:pPr lvl="1"/>
+            <a:endParaRPr lang="fr-FR" dirty="0" smtClean="0"/>
+          </a:p>
+          <a:p>
+            <a:pPr lvl="1"/>
+            <a:r>
+              <a:rPr lang="fr-FR" dirty="0" err="1" smtClean="0"/>
+              <a:t>When</a:t>
+            </a:r>
+            <a:r>
+              <a:rPr lang="fr-FR" dirty="0" smtClean="0"/>
+              <a:t>(/^I </a:t>
+            </a:r>
+            <a:r>
+              <a:rPr lang="fr-FR" dirty="0" err="1" smtClean="0"/>
+              <a:t>request</a:t>
+            </a:r>
+            <a:r>
+              <a:rPr lang="fr-FR" dirty="0" smtClean="0"/>
+              <a:t> \$(\d+)$/) do |arg1| </a:t>
+            </a:r>
+            <a:r>
+              <a:rPr lang="fr-FR" dirty="0" err="1" smtClean="0"/>
+              <a:t>pending</a:t>
+            </a:r>
+            <a:r>
+              <a:rPr lang="fr-FR" dirty="0" smtClean="0"/>
+              <a:t> </a:t>
+            </a:r>
+          </a:p>
+          <a:p>
+            <a:pPr lvl="1"/>
+            <a:r>
+              <a:rPr lang="fr-FR" dirty="0" smtClean="0"/>
+              <a:t>	# express the </a:t>
+            </a:r>
+            <a:r>
+              <a:rPr lang="fr-FR" dirty="0" err="1" smtClean="0"/>
+              <a:t>regexp</a:t>
+            </a:r>
+            <a:r>
+              <a:rPr lang="fr-FR" dirty="0" smtClean="0"/>
+              <a:t> </a:t>
+            </a:r>
+            <a:r>
+              <a:rPr lang="fr-FR" dirty="0" err="1" smtClean="0"/>
+              <a:t>above</a:t>
+            </a:r>
+            <a:r>
+              <a:rPr lang="fr-FR" dirty="0" smtClean="0"/>
+              <a:t> </a:t>
+            </a:r>
+            <a:r>
+              <a:rPr lang="fr-FR" dirty="0" err="1" smtClean="0"/>
+              <a:t>with</a:t>
+            </a:r>
+            <a:r>
+              <a:rPr lang="fr-FR" dirty="0" smtClean="0"/>
+              <a:t> the code </a:t>
+            </a:r>
+            <a:r>
+              <a:rPr lang="fr-FR" dirty="0" err="1" smtClean="0"/>
+              <a:t>you</a:t>
+            </a:r>
+            <a:r>
+              <a:rPr lang="fr-FR" dirty="0" smtClean="0"/>
+              <a:t> </a:t>
+            </a:r>
+            <a:r>
+              <a:rPr lang="fr-FR" dirty="0" err="1" smtClean="0"/>
+              <a:t>wish</a:t>
+            </a:r>
+            <a:r>
+              <a:rPr lang="fr-FR" dirty="0" smtClean="0"/>
+              <a:t> </a:t>
+            </a:r>
+            <a:r>
+              <a:rPr lang="fr-FR" dirty="0" err="1" smtClean="0"/>
+              <a:t>you</a:t>
+            </a:r>
+            <a:r>
+              <a:rPr lang="fr-FR" dirty="0" smtClean="0"/>
+              <a:t> </a:t>
+            </a:r>
+            <a:r>
+              <a:rPr lang="fr-FR" dirty="0" err="1" smtClean="0"/>
+              <a:t>had</a:t>
+            </a:r>
+            <a:r>
+              <a:rPr lang="fr-FR" dirty="0" smtClean="0"/>
+              <a:t> </a:t>
+            </a:r>
+          </a:p>
+          <a:p>
+            <a:pPr lvl="1"/>
+            <a:r>
+              <a:rPr lang="fr-FR" dirty="0" smtClean="0"/>
+              <a:t>end </a:t>
+            </a:r>
+          </a:p>
+          <a:p>
+            <a:pPr lvl="1"/>
+            <a:endParaRPr lang="fr-FR" dirty="0" smtClean="0"/>
+          </a:p>
+          <a:p>
+            <a:pPr lvl="1"/>
+            <a:r>
+              <a:rPr lang="fr-FR" dirty="0" err="1" smtClean="0"/>
+              <a:t>Then</a:t>
+            </a:r>
+            <a:r>
+              <a:rPr lang="fr-FR" dirty="0" smtClean="0"/>
+              <a:t>(/^\$(\d+) </a:t>
+            </a:r>
+            <a:r>
+              <a:rPr lang="fr-FR" dirty="0" err="1" smtClean="0"/>
+              <a:t>should</a:t>
+            </a:r>
+            <a:r>
+              <a:rPr lang="fr-FR" dirty="0" smtClean="0"/>
+              <a:t> </a:t>
+            </a:r>
+            <a:r>
+              <a:rPr lang="fr-FR" dirty="0" err="1" smtClean="0"/>
+              <a:t>be</a:t>
+            </a:r>
+            <a:r>
+              <a:rPr lang="fr-FR" dirty="0" smtClean="0"/>
+              <a:t> </a:t>
+            </a:r>
+            <a:r>
+              <a:rPr lang="fr-FR" dirty="0" err="1" smtClean="0"/>
+              <a:t>dispensed</a:t>
+            </a:r>
+            <a:r>
+              <a:rPr lang="fr-FR" dirty="0" smtClean="0"/>
+              <a:t>$/) do |arg1| </a:t>
+            </a:r>
+            <a:r>
+              <a:rPr lang="fr-FR" dirty="0" err="1" smtClean="0"/>
+              <a:t>pending</a:t>
+            </a:r>
+            <a:endParaRPr lang="fr-FR" dirty="0" smtClean="0"/>
+          </a:p>
+          <a:p>
+            <a:pPr lvl="1"/>
+            <a:r>
+              <a:rPr lang="fr-FR" dirty="0" smtClean="0"/>
+              <a:t>	 # express the </a:t>
+            </a:r>
+            <a:r>
+              <a:rPr lang="fr-FR" dirty="0" err="1" smtClean="0"/>
+              <a:t>regexp</a:t>
+            </a:r>
+            <a:r>
+              <a:rPr lang="fr-FR" dirty="0" smtClean="0"/>
+              <a:t> </a:t>
+            </a:r>
+            <a:r>
+              <a:rPr lang="fr-FR" dirty="0" err="1" smtClean="0"/>
+              <a:t>above</a:t>
+            </a:r>
+            <a:r>
+              <a:rPr lang="fr-FR" dirty="0" smtClean="0"/>
+              <a:t> </a:t>
+            </a:r>
+            <a:r>
+              <a:rPr lang="fr-FR" dirty="0" err="1" smtClean="0"/>
+              <a:t>with</a:t>
+            </a:r>
+            <a:r>
+              <a:rPr lang="fr-FR" dirty="0" smtClean="0"/>
+              <a:t> the code </a:t>
+            </a:r>
+            <a:r>
+              <a:rPr lang="fr-FR" dirty="0" err="1" smtClean="0"/>
+              <a:t>you</a:t>
+            </a:r>
+            <a:r>
+              <a:rPr lang="fr-FR" dirty="0" smtClean="0"/>
+              <a:t> </a:t>
+            </a:r>
+            <a:r>
+              <a:rPr lang="fr-FR" dirty="0" err="1" smtClean="0"/>
+              <a:t>wish</a:t>
+            </a:r>
+            <a:r>
+              <a:rPr lang="fr-FR" dirty="0" smtClean="0"/>
+              <a:t> </a:t>
+            </a:r>
+            <a:r>
+              <a:rPr lang="fr-FR" dirty="0" err="1" smtClean="0"/>
+              <a:t>you</a:t>
+            </a:r>
+            <a:r>
+              <a:rPr lang="fr-FR" dirty="0" smtClean="0"/>
+              <a:t> </a:t>
+            </a:r>
+            <a:r>
+              <a:rPr lang="fr-FR" dirty="0" err="1" smtClean="0"/>
+              <a:t>had</a:t>
+            </a:r>
+            <a:r>
+              <a:rPr lang="fr-FR" dirty="0" smtClean="0"/>
+              <a:t> </a:t>
+            </a:r>
+          </a:p>
+          <a:p>
+            <a:pPr lvl="1"/>
+            <a:r>
+              <a:rPr lang="fr-FR" dirty="0" smtClean="0"/>
+              <a:t>end</a:t>
+            </a:r>
+            <a:endParaRPr lang="fr-FR" dirty="0"/>
+          </a:p>
+        </p:txBody>
+      </p:sp>
+      <p:sp>
+        <p:nvSpPr>
+          <p:cNvPr id="4" name="Espace réservé du numéro de diapositive 3"/>
+          <p:cNvSpPr>
+            <a:spLocks noGrp="1"/>
+          </p:cNvSpPr>
+          <p:nvPr>
+            <p:ph type="sldNum" sz="quarter" idx="10"/>
+          </p:nvPr>
+        </p:nvSpPr>
+        <p:spPr/>
+        <p:txBody>
+          <a:bodyPr/>
+          <a:lstStyle/>
+          <a:p>
+            <a:fld id="{0D546221-060C-EE45-84DF-93487E032E21}" type="slidenum">
+              <a:rPr lang="fr-FR" smtClean="0"/>
+              <a:t>3</a:t>
+            </a:fld>
+            <a:endParaRPr lang="fr-FR"/>
+          </a:p>
+        </p:txBody>
+      </p:sp>
+    </p:spTree>
+    <p:extLst>
+      <p:ext uri="{BB962C8B-B14F-4D97-AF65-F5344CB8AC3E}">
+        <p14:creationId xmlns:p14="http://schemas.microsoft.com/office/powerpoint/2010/main" val="1331499747"/>
+      </p:ext>
+    </p:extLst>
+  </p:cSld>
+  <p:clrMapOvr>
+    <a:masterClrMapping/>
+  </p:clrMapOvr>
+</p:notes>
 </file>
 
 <file path=ppt/slideLayouts/slideLayout1.xml><?xml version="1.0" encoding="utf-8"?>
@@ -7259,4 +8114,324 @@
   <a:objectDefaults/>
   <a:extraClrSchemeLst/>
 </a:theme>
+</file>
+
+<file path=ppt/theme/theme2.xml><?xml version="1.0" encoding="utf-8"?>
+<a:theme xmlns:a="http://schemas.openxmlformats.org/drawingml/2006/main" name="Thème Office">
+  <a:themeElements>
+    <a:clrScheme name="Bureau">
+      <a:dk1>
+        <a:sysClr val="windowText" lastClr="000000"/>
+      </a:dk1>
+      <a:lt1>
+        <a:sysClr val="window" lastClr="FFFFFF"/>
+      </a:lt1>
+      <a:dk2>
+        <a:srgbClr val="1F497D"/>
+      </a:dk2>
+      <a:lt2>
+        <a:srgbClr val="EEECE1"/>
+      </a:lt2>
+      <a:accent1>
+        <a:srgbClr val="4F81BD"/>
+      </a:accent1>
+      <a:accent2>
+        <a:srgbClr val="C0504D"/>
+      </a:accent2>
+      <a:accent3>
+        <a:srgbClr val="9BBB59"/>
+      </a:accent3>
+      <a:accent4>
+        <a:srgbClr val="8064A2"/>
+      </a:accent4>
+      <a:accent5>
+        <a:srgbClr val="4BACC6"/>
+      </a:accent5>
+      <a:accent6>
+        <a:srgbClr val="F79646"/>
+      </a:accent6>
+      <a:hlink>
+        <a:srgbClr val="0000FF"/>
+      </a:hlink>
+      <a:folHlink>
+        <a:srgbClr val="800080"/>
+      </a:folHlink>
+    </a:clrScheme>
+    <a:fontScheme name="Bureau">
+      <a:majorFont>
+        <a:latin typeface="Calibri"/>
+        <a:ea typeface=""/>
+        <a:cs typeface=""/>
+        <a:font script="Jpan" typeface="ＭＳ Ｐゴシック"/>
+        <a:font script="Hang" typeface="맑은 고딕"/>
+        <a:font script="Hans" typeface="宋体"/>
+        <a:font script="Hant" typeface="新細明體"/>
+        <a:font script="Arab" typeface="Times New Roman"/>
+        <a:font script="Hebr" typeface="Times New Roman"/>
+        <a:font script="Thai" typeface="Angsana New"/>
+        <a:font script="Ethi" typeface="Nyala"/>
+        <a:font script="Beng" typeface="Vrinda"/>
+        <a:font script="Gujr" typeface="Shruti"/>
+        <a:font script="Khmr" typeface="MoolBoran"/>
+        <a:font script="Knda" typeface="Tunga"/>
+        <a:font script="Guru" typeface="Raavi"/>
+        <a:font script="Cans" typeface="Euphemia"/>
+        <a:font script="Cher" typeface="Plantagenet Cherokee"/>
+        <a:font script="Yiii" typeface="Microsoft Yi Baiti"/>
+        <a:font script="Tibt" typeface="Microsoft Himalaya"/>
+        <a:font script="Thaa" typeface="MV Boli"/>
+        <a:font script="Deva" typeface="Mangal"/>
+        <a:font script="Telu" typeface="Gautami"/>
+        <a:font script="Taml" typeface="Latha"/>
+        <a:font script="Syrc" typeface="Estrangelo Edessa"/>
+        <a:font script="Orya" typeface="Kalinga"/>
+        <a:font script="Mlym" typeface="Kartika"/>
+        <a:font script="Laoo" typeface="DokChampa"/>
+        <a:font script="Sinh" typeface="Iskoola Pota"/>
+        <a:font script="Mong" typeface="Mongolian Baiti"/>
+        <a:font script="Viet" typeface="Times New Roman"/>
+        <a:font script="Uigh" typeface="Microsoft Uighur"/>
+        <a:font script="Geor" typeface="Sylfaen"/>
+      </a:majorFont>
+      <a:minorFont>
+        <a:latin typeface="Calibri"/>
+        <a:ea typeface=""/>
+        <a:cs typeface=""/>
+        <a:font script="Jpan" typeface="ＭＳ Ｐゴシック"/>
+        <a:font script="Hang" typeface="맑은 고딕"/>
+        <a:font script="Hans" typeface="宋体"/>
+        <a:font script="Hant" typeface="新細明體"/>
+        <a:font script="Arab" typeface="Arial"/>
+        <a:font script="Hebr" typeface="Arial"/>
+        <a:font script="Thai" typeface="Cordia New"/>
+        <a:font script="Ethi" typeface="Nyala"/>
+        <a:font script="Beng" typeface="Vrinda"/>
+        <a:font script="Gujr" typeface="Shruti"/>
+        <a:font script="Khmr" typeface="DaunPenh"/>
+        <a:font script="Knda" typeface="Tunga"/>
+        <a:font script="Guru" typeface="Raavi"/>
+        <a:font script="Cans" typeface="Euphemia"/>
+        <a:font script="Cher" typeface="Plantagenet Cherokee"/>
+        <a:font script="Yiii" typeface="Microsoft Yi Baiti"/>
+        <a:font script="Tibt" typeface="Microsoft Himalaya"/>
+        <a:font script="Thaa" typeface="MV Boli"/>
+        <a:font script="Deva" typeface="Mangal"/>
+        <a:font script="Telu" typeface="Gautami"/>
+        <a:font script="Taml" typeface="Latha"/>
+        <a:font script="Syrc" typeface="Estrangelo Edessa"/>
+        <a:font script="Orya" typeface="Kalinga"/>
+        <a:font script="Mlym" typeface="Kartika"/>
+        <a:font script="Laoo" typeface="DokChampa"/>
+        <a:font script="Sinh" typeface="Iskoola Pota"/>
+        <a:font script="Mong" typeface="Mongolian Baiti"/>
+        <a:font script="Viet" typeface="Arial"/>
+        <a:font script="Uigh" typeface="Microsoft Uighur"/>
+        <a:font script="Geor" typeface="Sylfaen"/>
+      </a:minorFont>
+    </a:fontScheme>
+    <a:fmtScheme name="Bureau">
+      <a:fillStyleLst>
+        <a:solidFill>
+          <a:schemeClr val="phClr"/>
+        </a:solidFill>
+        <a:gradFill rotWithShape="1">
+          <a:gsLst>
+            <a:gs pos="0">
+              <a:schemeClr val="phClr">
+                <a:tint val="50000"/>
+                <a:satMod val="300000"/>
+              </a:schemeClr>
+            </a:gs>
+            <a:gs pos="35000">
+              <a:schemeClr val="phClr">
+                <a:tint val="37000"/>
+                <a:satMod val="300000"/>
+              </a:schemeClr>
+            </a:gs>
+            <a:gs pos="100000">
+              <a:schemeClr val="phClr">
+                <a:tint val="15000"/>
+                <a:satMod val="350000"/>
+              </a:schemeClr>
+            </a:gs>
+          </a:gsLst>
+          <a:lin ang="16200000" scaled="1"/>
+        </a:gradFill>
+        <a:gradFill rotWithShape="1">
+          <a:gsLst>
+            <a:gs pos="0">
+              <a:schemeClr val="phClr">
+                <a:tint val="100000"/>
+                <a:shade val="100000"/>
+                <a:satMod val="130000"/>
+              </a:schemeClr>
+            </a:gs>
+            <a:gs pos="100000">
+              <a:schemeClr val="phClr">
+                <a:tint val="50000"/>
+                <a:shade val="100000"/>
+                <a:satMod val="350000"/>
+              </a:schemeClr>
+            </a:gs>
+          </a:gsLst>
+          <a:lin ang="16200000" scaled="0"/>
+        </a:gradFill>
+      </a:fillStyleLst>
+      <a:lnStyleLst>
+        <a:ln w="9525" cap="flat" cmpd="sng" algn="ctr">
+          <a:solidFill>
+            <a:schemeClr val="phClr">
+              <a:shade val="95000"/>
+              <a:satMod val="105000"/>
+            </a:schemeClr>
+          </a:solidFill>
+          <a:prstDash val="solid"/>
+        </a:ln>
+        <a:ln w="25400" cap="flat" cmpd="sng" algn="ctr">
+          <a:solidFill>
+            <a:schemeClr val="phClr"/>
+          </a:solidFill>
+          <a:prstDash val="solid"/>
+        </a:ln>
+        <a:ln w="38100" cap="flat" cmpd="sng" algn="ctr">
+          <a:solidFill>
+            <a:schemeClr val="phClr"/>
+          </a:solidFill>
+          <a:prstDash val="solid"/>
+        </a:ln>
+      </a:lnStyleLst>
+      <a:effectStyleLst>
+        <a:effectStyle>
+          <a:effectLst>
+            <a:outerShdw blurRad="40000" dist="20000" dir="5400000" rotWithShape="0">
+              <a:srgbClr val="000000">
+                <a:alpha val="38000"/>
+              </a:srgbClr>
+            </a:outerShdw>
+          </a:effectLst>
+        </a:effectStyle>
+        <a:effectStyle>
+          <a:effectLst>
+            <a:outerShdw blurRad="40000" dist="23000" dir="5400000" rotWithShape="0">
+              <a:srgbClr val="000000">
+                <a:alpha val="35000"/>
+              </a:srgbClr>
+            </a:outerShdw>
+          </a:effectLst>
+        </a:effectStyle>
+        <a:effectStyle>
+          <a:effectLst>
+            <a:outerShdw blurRad="40000" dist="23000" dir="5400000" rotWithShape="0">
+              <a:srgbClr val="000000">
+                <a:alpha val="35000"/>
+              </a:srgbClr>
+            </a:outerShdw>
+          </a:effectLst>
+          <a:scene3d>
+            <a:camera prst="orthographicFront">
+              <a:rot lat="0" lon="0" rev="0"/>
+            </a:camera>
+            <a:lightRig rig="threePt" dir="t">
+              <a:rot lat="0" lon="0" rev="1200000"/>
+            </a:lightRig>
+          </a:scene3d>
+          <a:sp3d>
+            <a:bevelT w="63500" h="25400"/>
+          </a:sp3d>
+        </a:effectStyle>
+      </a:effectStyleLst>
+      <a:bgFillStyleLst>
+        <a:solidFill>
+          <a:schemeClr val="phClr"/>
+        </a:solidFill>
+        <a:gradFill rotWithShape="1">
+          <a:gsLst>
+            <a:gs pos="0">
+              <a:schemeClr val="phClr">
+                <a:tint val="40000"/>
+                <a:satMod val="350000"/>
+              </a:schemeClr>
+            </a:gs>
+            <a:gs pos="40000">
+              <a:schemeClr val="phClr">
+                <a:tint val="45000"/>
+                <a:shade val="99000"/>
+                <a:satMod val="350000"/>
+              </a:schemeClr>
+            </a:gs>
+            <a:gs pos="100000">
+              <a:schemeClr val="phClr">
+                <a:shade val="20000"/>
+                <a:satMod val="255000"/>
+              </a:schemeClr>
+            </a:gs>
+          </a:gsLst>
+          <a:path path="circle">
+            <a:fillToRect l="50000" t="-80000" r="50000" b="180000"/>
+          </a:path>
+        </a:gradFill>
+        <a:gradFill rotWithShape="1">
+          <a:gsLst>
+            <a:gs pos="0">
+              <a:schemeClr val="phClr">
+                <a:tint val="80000"/>
+                <a:satMod val="300000"/>
+              </a:schemeClr>
+            </a:gs>
+            <a:gs pos="100000">
+              <a:schemeClr val="phClr">
+                <a:shade val="30000"/>
+                <a:satMod val="200000"/>
+              </a:schemeClr>
+            </a:gs>
+          </a:gsLst>
+          <a:path path="circle">
+            <a:fillToRect l="50000" t="50000" r="50000" b="50000"/>
+          </a:path>
+        </a:gradFill>
+      </a:bgFillStyleLst>
+    </a:fmtScheme>
+  </a:themeElements>
+  <a:objectDefaults>
+    <a:spDef>
+      <a:spPr/>
+      <a:bodyPr/>
+      <a:lstStyle/>
+      <a:style>
+        <a:lnRef idx="1">
+          <a:schemeClr val="accent1"/>
+        </a:lnRef>
+        <a:fillRef idx="3">
+          <a:schemeClr val="accent1"/>
+        </a:fillRef>
+        <a:effectRef idx="2">
+          <a:schemeClr val="accent1"/>
+        </a:effectRef>
+        <a:fontRef idx="minor">
+          <a:schemeClr val="lt1"/>
+        </a:fontRef>
+      </a:style>
+    </a:spDef>
+    <a:lnDef>
+      <a:spPr/>
+      <a:bodyPr/>
+      <a:lstStyle/>
+      <a:style>
+        <a:lnRef idx="2">
+          <a:schemeClr val="accent1"/>
+        </a:lnRef>
+        <a:fillRef idx="0">
+          <a:schemeClr val="accent1"/>
+        </a:fillRef>
+        <a:effectRef idx="1">
+          <a:schemeClr val="accent1"/>
+        </a:effectRef>
+        <a:fontRef idx="minor">
+          <a:schemeClr val="tx1"/>
+        </a:fontRef>
+      </a:style>
+    </a:lnDef>
+  </a:objectDefaults>
+  <a:extraClrSchemeLst/>
+</a:theme>
 </file>